--- a/SPL-1_Mid Presentation.pptx
+++ b/SPL-1_Mid Presentation.pptx
@@ -16631,7 +16631,7 @@
                 <a:latin typeface="Roboto Condensed Light"/>
                 <a:ea typeface="Roboto Condensed Light"/>
               </a:rPr>
-              <a:t>Learning about  finding Syntactical Erros</a:t>
+              <a:t>Learning about grammer of finding Syntactical Erros</a:t>
             </a:r>
           </a:p>
           <a:p>

--- a/SPL-1_Mid Presentation.pptx
+++ b/SPL-1_Mid Presentation.pptx
@@ -20,8 +20,8 @@
     <p:sldId id="269" r:id="rId14"/>
     <p:sldId id="270" r:id="rId15"/>
     <p:sldId id="271" r:id="rId16"/>
-    <p:sldId id="279" r:id="rId17"/>
-    <p:sldId id="273" r:id="rId18"/>
+    <p:sldId id="280" r:id="rId17"/>
+    <p:sldId id="281" r:id="rId18"/>
     <p:sldId id="274" r:id="rId19"/>
     <p:sldId id="275" r:id="rId20"/>
     <p:sldId id="276" r:id="rId21"/>
@@ -2263,7 +2263,7 @@
 <file path=ppt/diagrams/data2.xml><?xml version="1.0" encoding="utf-8"?>
 <dgm:dataModel xmlns:dgm="http://schemas.openxmlformats.org/drawingml/2006/diagram" xmlns:a="http://schemas.openxmlformats.org/drawingml/2006/main">
   <dgm:ptLst>
-    <dgm:pt modelId="{59EBAC63-21C1-4B10-BD49-41D7F39B750B}" type="doc">
+    <dgm:pt modelId="{3FEB4200-67D9-4552-9DF5-6055ECEE49CE}" type="doc">
       <dgm:prSet loTypeId="urn:microsoft.com/office/officeart/2005/8/layout/lProcess3" loCatId="process" qsTypeId="urn:microsoft.com/office/officeart/2005/8/quickstyle/simple1" qsCatId="simple" csTypeId="urn:microsoft.com/office/officeart/2005/8/colors/accent1_2" csCatId="accent1" phldr="1"/>
       <dgm:spPr/>
       <dgm:t>
@@ -2274,7 +2274,7 @@
         </a:p>
       </dgm:t>
     </dgm:pt>
-    <dgm:pt modelId="{4875F7A7-236C-437D-902B-4E2479209CDE}">
+    <dgm:pt modelId="{0E57BCD6-C422-48B1-BF6E-053363C40826}">
       <dgm:prSet/>
       <dgm:spPr/>
       <dgm:t>
@@ -2283,12 +2283,12 @@
         <a:p>
           <a:r>
             <a:rPr lang="en-US"/>
-            <a:t>Tokenization</a:t>
+            <a:t>Tokenization </a:t>
           </a:r>
         </a:p>
       </dgm:t>
     </dgm:pt>
-    <dgm:pt modelId="{7E954E7F-E3F3-443F-8CCF-5A9851B59B62}" type="parTrans" cxnId="{633179A8-C80F-49F8-8D38-EE52C6716A2E}">
+    <dgm:pt modelId="{A82869F8-A4EC-4EF3-A377-0B03410A3116}" type="parTrans" cxnId="{2C55AABA-4988-40A3-BD22-0386EE037B9E}">
       <dgm:prSet/>
       <dgm:spPr/>
       <dgm:t>
@@ -2299,7 +2299,7 @@
         </a:p>
       </dgm:t>
     </dgm:pt>
-    <dgm:pt modelId="{ABA29A20-601D-4637-AB27-520D53CA3686}" type="sibTrans" cxnId="{633179A8-C80F-49F8-8D38-EE52C6716A2E}">
+    <dgm:pt modelId="{F99CC864-3C3A-42B2-A694-9A93D6D68F32}" type="sibTrans" cxnId="{2C55AABA-4988-40A3-BD22-0386EE037B9E}">
       <dgm:prSet/>
       <dgm:spPr/>
       <dgm:t>
@@ -2310,8 +2310,8 @@
         </a:p>
       </dgm:t>
     </dgm:pt>
-    <dgm:pt modelId="{46C7EFA4-B85E-4A6B-B2B7-B4894E7C3EA0}" type="pres">
-      <dgm:prSet presAssocID="{59EBAC63-21C1-4B10-BD49-41D7F39B750B}" presName="Name0" presStyleCnt="0">
+    <dgm:pt modelId="{62D65FFE-7EBF-4F4F-B79B-7D3DB081F8E3}" type="pres">
+      <dgm:prSet presAssocID="{3FEB4200-67D9-4552-9DF5-6055ECEE49CE}" presName="Name0" presStyleCnt="0">
         <dgm:presLayoutVars>
           <dgm:chPref val="3"/>
           <dgm:dir/>
@@ -2321,27 +2321,27 @@
       </dgm:prSet>
       <dgm:spPr/>
     </dgm:pt>
-    <dgm:pt modelId="{3FF3C507-556F-4968-B4C0-71128F6DA817}" type="pres">
-      <dgm:prSet presAssocID="{4875F7A7-236C-437D-902B-4E2479209CDE}" presName="horFlow" presStyleCnt="0"/>
+    <dgm:pt modelId="{5DB8A4E4-BC1B-476E-A192-92802B7EC505}" type="pres">
+      <dgm:prSet presAssocID="{0E57BCD6-C422-48B1-BF6E-053363C40826}" presName="horFlow" presStyleCnt="0"/>
       <dgm:spPr/>
     </dgm:pt>
-    <dgm:pt modelId="{25B6D197-301B-4207-9A94-B1F3D9632CA1}" type="pres">
-      <dgm:prSet presAssocID="{4875F7A7-236C-437D-902B-4E2479209CDE}" presName="bigChev" presStyleLbl="node1" presStyleIdx="0" presStyleCnt="1" custScaleX="199160"/>
+    <dgm:pt modelId="{FD7A31AF-A271-40EE-A02D-7F71ED5E65AD}" type="pres">
+      <dgm:prSet presAssocID="{0E57BCD6-C422-48B1-BF6E-053363C40826}" presName="bigChev" presStyleLbl="node1" presStyleIdx="0" presStyleCnt="1" custScaleX="267363"/>
       <dgm:spPr/>
     </dgm:pt>
   </dgm:ptLst>
   <dgm:cxnLst>
-    <dgm:cxn modelId="{CFB7CA77-E044-480C-A719-B5144CDC3CD4}" type="presOf" srcId="{59EBAC63-21C1-4B10-BD49-41D7F39B750B}" destId="{46C7EFA4-B85E-4A6B-B2B7-B4894E7C3EA0}" srcOrd="0" destOrd="0" presId="urn:microsoft.com/office/officeart/2005/8/layout/lProcess3"/>
-    <dgm:cxn modelId="{633179A8-C80F-49F8-8D38-EE52C6716A2E}" srcId="{59EBAC63-21C1-4B10-BD49-41D7F39B750B}" destId="{4875F7A7-236C-437D-902B-4E2479209CDE}" srcOrd="0" destOrd="0" parTransId="{7E954E7F-E3F3-443F-8CCF-5A9851B59B62}" sibTransId="{ABA29A20-601D-4637-AB27-520D53CA3686}"/>
-    <dgm:cxn modelId="{F7646EE8-50FF-48A6-92F6-276560780CA3}" type="presOf" srcId="{4875F7A7-236C-437D-902B-4E2479209CDE}" destId="{25B6D197-301B-4207-9A94-B1F3D9632CA1}" srcOrd="0" destOrd="0" presId="urn:microsoft.com/office/officeart/2005/8/layout/lProcess3"/>
-    <dgm:cxn modelId="{2C94DE49-1CBF-448D-9B5F-B9EF8F997A98}" type="presParOf" srcId="{46C7EFA4-B85E-4A6B-B2B7-B4894E7C3EA0}" destId="{3FF3C507-556F-4968-B4C0-71128F6DA817}" srcOrd="0" destOrd="0" presId="urn:microsoft.com/office/officeart/2005/8/layout/lProcess3"/>
-    <dgm:cxn modelId="{B604C8CF-29C5-47E9-B241-03AD80B79526}" type="presParOf" srcId="{3FF3C507-556F-4968-B4C0-71128F6DA817}" destId="{25B6D197-301B-4207-9A94-B1F3D9632CA1}" srcOrd="0" destOrd="0" presId="urn:microsoft.com/office/officeart/2005/8/layout/lProcess3"/>
+    <dgm:cxn modelId="{23638598-C4F8-463F-932A-0A56B79343AE}" type="presOf" srcId="{3FEB4200-67D9-4552-9DF5-6055ECEE49CE}" destId="{62D65FFE-7EBF-4F4F-B79B-7D3DB081F8E3}" srcOrd="0" destOrd="0" presId="urn:microsoft.com/office/officeart/2005/8/layout/lProcess3"/>
+    <dgm:cxn modelId="{2C55AABA-4988-40A3-BD22-0386EE037B9E}" srcId="{3FEB4200-67D9-4552-9DF5-6055ECEE49CE}" destId="{0E57BCD6-C422-48B1-BF6E-053363C40826}" srcOrd="0" destOrd="0" parTransId="{A82869F8-A4EC-4EF3-A377-0B03410A3116}" sibTransId="{F99CC864-3C3A-42B2-A694-9A93D6D68F32}"/>
+    <dgm:cxn modelId="{CD6AB4DE-DB69-4263-A27A-718214866BBB}" type="presOf" srcId="{0E57BCD6-C422-48B1-BF6E-053363C40826}" destId="{FD7A31AF-A271-40EE-A02D-7F71ED5E65AD}" srcOrd="0" destOrd="0" presId="urn:microsoft.com/office/officeart/2005/8/layout/lProcess3"/>
+    <dgm:cxn modelId="{A365F712-D634-4863-B949-0A54C19A0E0B}" type="presParOf" srcId="{62D65FFE-7EBF-4F4F-B79B-7D3DB081F8E3}" destId="{5DB8A4E4-BC1B-476E-A192-92802B7EC505}" srcOrd="0" destOrd="0" presId="urn:microsoft.com/office/officeart/2005/8/layout/lProcess3"/>
+    <dgm:cxn modelId="{FCB8586F-7BC9-431B-A495-54D7A32B0FBB}" type="presParOf" srcId="{5DB8A4E4-BC1B-476E-A192-92802B7EC505}" destId="{FD7A31AF-A271-40EE-A02D-7F71ED5E65AD}" srcOrd="0" destOrd="0" presId="urn:microsoft.com/office/officeart/2005/8/layout/lProcess3"/>
   </dgm:cxnLst>
   <dgm:bg/>
   <dgm:whole/>
   <dgm:extLst>
     <a:ext uri="http://schemas.microsoft.com/office/drawing/2008/diagram">
-      <dsp:dataModelExt xmlns:dsp="http://schemas.microsoft.com/office/drawing/2008/diagram" relId="rId8" minVer="http://schemas.openxmlformats.org/drawingml/2006/diagram"/>
+      <dsp:dataModelExt xmlns:dsp="http://schemas.microsoft.com/office/drawing/2008/diagram" relId="rId6" minVer="http://schemas.openxmlformats.org/drawingml/2006/diagram"/>
     </a:ext>
   </dgm:extLst>
 </dgm:dataModel>
@@ -2759,15 +2759,15 @@
       <dsp:cNvGrpSpPr/>
     </dsp:nvGrpSpPr>
     <dsp:grpSpPr/>
-    <dsp:sp modelId="{25B6D197-301B-4207-9A94-B1F3D9632CA1}">
+    <dsp:sp modelId="{FD7A31AF-A271-40EE-A02D-7F71ED5E65AD}">
       <dsp:nvSpPr>
         <dsp:cNvPr id="0" name=""/>
         <dsp:cNvSpPr/>
       </dsp:nvSpPr>
       <dsp:spPr>
         <a:xfrm>
-          <a:off x="517" y="22445"/>
-          <a:ext cx="3333357" cy="669483"/>
+          <a:off x="1258" y="40570"/>
+          <a:ext cx="1926294" cy="288191"/>
         </a:xfrm>
         <a:prstGeom prst="chevron">
           <a:avLst/>
@@ -2809,12 +2809,12 @@
         </a:fontRef>
       </dsp:style>
       <dsp:txBody>
-        <a:bodyPr spcFirstLastPara="0" vert="horz" wrap="square" lIns="46990" tIns="23495" rIns="0" bIns="23495" numCol="1" spcCol="1270" anchor="ctr" anchorCtr="0">
+        <a:bodyPr spcFirstLastPara="0" vert="horz" wrap="square" lIns="24130" tIns="12065" rIns="0" bIns="12065" numCol="1" spcCol="1270" anchor="ctr" anchorCtr="0">
           <a:noAutofit/>
         </a:bodyPr>
         <a:lstStyle/>
         <a:p>
-          <a:pPr marL="0" lvl="0" indent="0" algn="ctr" defTabSz="1644650">
+          <a:pPr marL="0" lvl="0" indent="0" algn="ctr" defTabSz="844550">
             <a:lnSpc>
               <a:spcPct val="90000"/>
             </a:lnSpc>
@@ -2827,14 +2827,14 @@
             <a:buNone/>
           </a:pPr>
           <a:r>
-            <a:rPr lang="en-US" sz="3700" kern="1200"/>
-            <a:t>Tokenization</a:t>
+            <a:rPr lang="en-US" sz="1900" kern="1200"/>
+            <a:t>Tokenization </a:t>
           </a:r>
         </a:p>
       </dsp:txBody>
       <dsp:txXfrm>
-        <a:off x="335259" y="22445"/>
-        <a:ext cx="2663874" cy="669483"/>
+        <a:off x="145354" y="40570"/>
+        <a:ext cx="1638103" cy="288191"/>
       </dsp:txXfrm>
     </dsp:sp>
   </dsp:spTree>
@@ -15161,12 +15161,142 @@
           <a:chExt cx="0" cy="0"/>
         </a:xfrm>
       </p:grpSpPr>
+      <p:graphicFrame>
+        <p:nvGraphicFramePr>
+          <p:cNvPr id="15" name="Diagram 14">
+            <a:extLst>
+              <a:ext uri="{FF2B5EF4-FFF2-40B4-BE49-F238E27FC236}">
+                <a16:creationId xmlns:a16="http://schemas.microsoft.com/office/drawing/2014/main" id="{6E5AE9CE-534A-DBDF-29CB-3C7C5FECECDE}"/>
+              </a:ext>
+            </a:extLst>
+          </p:cNvPr>
+          <p:cNvGraphicFramePr/>
+          <p:nvPr>
+            <p:extLst>
+              <p:ext uri="{D42A27DB-BD31-4B8C-83A1-F6EECF244321}">
+                <p14:modId xmlns:p14="http://schemas.microsoft.com/office/powerpoint/2010/main" val="1640652749"/>
+              </p:ext>
+            </p:extLst>
+          </p:nvPr>
+        </p:nvGraphicFramePr>
+        <p:xfrm>
+          <a:off x="4183599" y="2478881"/>
+          <a:ext cx="1928812" cy="369332"/>
+        </p:xfrm>
+        <a:graphic>
+          <a:graphicData uri="http://schemas.openxmlformats.org/drawingml/2006/diagram">
+            <dgm:relIds xmlns:dgm="http://schemas.openxmlformats.org/drawingml/2006/diagram" xmlns:r="http://schemas.openxmlformats.org/officeDocument/2006/relationships" r:dm="rId2" r:lo="rId3" r:qs="rId4" r:cs="rId5"/>
+          </a:graphicData>
+        </a:graphic>
+      </p:graphicFrame>
       <p:pic>
         <p:nvPicPr>
-          <p:cNvPr id="6" name="Picture 5">
+          <p:cNvPr id="3" name="Picture 2">
             <a:extLst>
               <a:ext uri="{FF2B5EF4-FFF2-40B4-BE49-F238E27FC236}">
-                <a16:creationId xmlns:a16="http://schemas.microsoft.com/office/drawing/2014/main" id="{642D4BFA-3120-375C-B27B-4EC4E771CF91}"/>
+                <a16:creationId xmlns:a16="http://schemas.microsoft.com/office/drawing/2014/main" id="{8790AF02-57F1-64C8-2323-A4B04735797E}"/>
+              </a:ext>
+            </a:extLst>
+          </p:cNvPr>
+          <p:cNvPicPr>
+            <a:picLocks noChangeAspect="1"/>
+          </p:cNvPicPr>
+          <p:nvPr/>
+        </p:nvPicPr>
+        <p:blipFill>
+          <a:blip r:embed="rId7">
+            <a:extLst>
+              <a:ext uri="{28A0092B-C50C-407E-A947-70E740481C1C}">
+                <a14:useLocalDpi xmlns:a14="http://schemas.microsoft.com/office/drawing/2010/main" val="0"/>
+              </a:ext>
+            </a:extLst>
+          </a:blip>
+          <a:stretch>
+            <a:fillRect/>
+          </a:stretch>
+        </p:blipFill>
+        <p:spPr>
+          <a:xfrm>
+            <a:off x="0" y="0"/>
+            <a:ext cx="4093369" cy="5143500"/>
+          </a:xfrm>
+          <a:prstGeom prst="rect">
+            <a:avLst/>
+          </a:prstGeom>
+        </p:spPr>
+      </p:pic>
+      <p:pic>
+        <p:nvPicPr>
+          <p:cNvPr id="5" name="Picture 4">
+            <a:extLst>
+              <a:ext uri="{FF2B5EF4-FFF2-40B4-BE49-F238E27FC236}">
+                <a16:creationId xmlns:a16="http://schemas.microsoft.com/office/drawing/2014/main" id="{839261AD-8621-86EC-3439-7BCBA5FA2A75}"/>
+              </a:ext>
+            </a:extLst>
+          </p:cNvPr>
+          <p:cNvPicPr>
+            <a:picLocks noChangeAspect="1"/>
+          </p:cNvPicPr>
+          <p:nvPr/>
+        </p:nvPicPr>
+        <p:blipFill>
+          <a:blip r:embed="rId8">
+            <a:extLst>
+              <a:ext uri="{28A0092B-C50C-407E-A947-70E740481C1C}">
+                <a14:useLocalDpi xmlns:a14="http://schemas.microsoft.com/office/drawing/2010/main" val="0"/>
+              </a:ext>
+            </a:extLst>
+          </a:blip>
+          <a:stretch>
+            <a:fillRect/>
+          </a:stretch>
+        </p:blipFill>
+        <p:spPr>
+          <a:xfrm>
+            <a:off x="6202642" y="0"/>
+            <a:ext cx="2941358" cy="5143500"/>
+          </a:xfrm>
+          <a:prstGeom prst="rect">
+            <a:avLst/>
+          </a:prstGeom>
+        </p:spPr>
+      </p:pic>
+    </p:spTree>
+    <p:extLst>
+      <p:ext uri="{BB962C8B-B14F-4D97-AF65-F5344CB8AC3E}">
+        <p14:creationId xmlns:p14="http://schemas.microsoft.com/office/powerpoint/2010/main" val="2194741676"/>
+      </p:ext>
+    </p:extLst>
+  </p:cSld>
+  <p:clrMapOvr>
+    <a:masterClrMapping/>
+  </p:clrMapOvr>
+</p:sld>
+</file>
+
+<file path=ppt/slides/slide15.xml><?xml version="1.0" encoding="utf-8"?>
+<p:sld xmlns:a="http://schemas.openxmlformats.org/drawingml/2006/main" xmlns:r="http://schemas.openxmlformats.org/officeDocument/2006/relationships" xmlns:p="http://schemas.openxmlformats.org/presentationml/2006/main" showMasterSp="0">
+  <p:cSld>
+    <p:spTree>
+      <p:nvGrpSpPr>
+        <p:cNvPr id="1" name=""/>
+        <p:cNvGrpSpPr/>
+        <p:nvPr/>
+      </p:nvGrpSpPr>
+      <p:grpSpPr>
+        <a:xfrm>
+          <a:off x="0" y="0"/>
+          <a:ext cx="0" cy="0"/>
+          <a:chOff x="0" y="0"/>
+          <a:chExt cx="0" cy="0"/>
+        </a:xfrm>
+      </p:grpSpPr>
+      <p:pic>
+        <p:nvPicPr>
+          <p:cNvPr id="2" name="Picture 1">
+            <a:extLst>
+              <a:ext uri="{FF2B5EF4-FFF2-40B4-BE49-F238E27FC236}">
+                <a16:creationId xmlns:a16="http://schemas.microsoft.com/office/drawing/2014/main" id="{A80B7A4C-A5B5-0E07-130E-013BE2D13D5D}"/>
               </a:ext>
             </a:extLst>
           </p:cNvPr>
@@ -15190,7 +15320,7 @@
         <p:spPr>
           <a:xfrm>
             <a:off x="0" y="0"/>
-            <a:ext cx="3193016" cy="5143500"/>
+            <a:ext cx="3564731" cy="5143500"/>
           </a:xfrm>
           <a:prstGeom prst="rect">
             <a:avLst/>
@@ -15202,7 +15332,7 @@
           <p:cNvPr id="8" name="Picture 7">
             <a:extLst>
               <a:ext uri="{FF2B5EF4-FFF2-40B4-BE49-F238E27FC236}">
-                <a16:creationId xmlns:a16="http://schemas.microsoft.com/office/drawing/2014/main" id="{17407117-78A3-D40D-DD9B-E3F5836FB945}"/>
+                <a16:creationId xmlns:a16="http://schemas.microsoft.com/office/drawing/2014/main" id="{CE3A4AF8-7970-D1B4-06B3-202B9346DA8D}"/>
               </a:ext>
             </a:extLst>
           </p:cNvPr>
@@ -15225,258 +15355,20 @@
         </p:blipFill>
         <p:spPr>
           <a:xfrm>
-            <a:off x="6577655" y="0"/>
-            <a:ext cx="2566345" cy="5143500"/>
+            <a:off x="3564731" y="0"/>
+            <a:ext cx="5579269" cy="5143500"/>
           </a:xfrm>
           <a:prstGeom prst="rect">
             <a:avLst/>
           </a:prstGeom>
         </p:spPr>
       </p:pic>
-      <p:graphicFrame>
-        <p:nvGraphicFramePr>
-          <p:cNvPr id="10" name="Diagram 9">
-            <a:extLst>
-              <a:ext uri="{FF2B5EF4-FFF2-40B4-BE49-F238E27FC236}">
-                <a16:creationId xmlns:a16="http://schemas.microsoft.com/office/drawing/2014/main" id="{5B44B355-879D-E2F2-51D3-4DC5FE662E52}"/>
-              </a:ext>
-            </a:extLst>
-          </p:cNvPr>
-          <p:cNvGraphicFramePr/>
-          <p:nvPr>
-            <p:extLst>
-              <p:ext uri="{D42A27DB-BD31-4B8C-83A1-F6EECF244321}">
-                <p14:modId xmlns:p14="http://schemas.microsoft.com/office/powerpoint/2010/main" val="710591810"/>
-              </p:ext>
-            </p:extLst>
-          </p:nvPr>
-        </p:nvGraphicFramePr>
-        <p:xfrm>
-          <a:off x="3243263" y="1943099"/>
-          <a:ext cx="3334392" cy="714375"/>
-        </p:xfrm>
-        <a:graphic>
-          <a:graphicData uri="http://schemas.openxmlformats.org/drawingml/2006/diagram">
-            <dgm:relIds xmlns:dgm="http://schemas.openxmlformats.org/drawingml/2006/diagram" xmlns:r="http://schemas.openxmlformats.org/officeDocument/2006/relationships" r:dm="rId4" r:lo="rId5" r:qs="rId6" r:cs="rId7"/>
-          </a:graphicData>
-        </a:graphic>
-      </p:graphicFrame>
     </p:spTree>
     <p:extLst>
       <p:ext uri="{BB962C8B-B14F-4D97-AF65-F5344CB8AC3E}">
-        <p14:creationId xmlns:p14="http://schemas.microsoft.com/office/powerpoint/2010/main" val="3876095303"/>
+        <p14:creationId xmlns:p14="http://schemas.microsoft.com/office/powerpoint/2010/main" val="3601507109"/>
       </p:ext>
     </p:extLst>
-  </p:cSld>
-  <p:clrMapOvr>
-    <a:masterClrMapping/>
-  </p:clrMapOvr>
-</p:sld>
-</file>
-
-<file path=ppt/slides/slide15.xml><?xml version="1.0" encoding="utf-8"?>
-<p:sld xmlns:a="http://schemas.openxmlformats.org/drawingml/2006/main" xmlns:r="http://schemas.openxmlformats.org/officeDocument/2006/relationships" xmlns:p="http://schemas.openxmlformats.org/presentationml/2006/main">
-  <p:cSld>
-    <p:spTree>
-      <p:nvGrpSpPr>
-        <p:cNvPr id="1" name=""/>
-        <p:cNvGrpSpPr/>
-        <p:nvPr/>
-      </p:nvGrpSpPr>
-      <p:grpSpPr>
-        <a:xfrm>
-          <a:off x="0" y="0"/>
-          <a:ext cx="0" cy="0"/>
-          <a:chOff x="0" y="0"/>
-          <a:chExt cx="0" cy="0"/>
-        </a:xfrm>
-      </p:grpSpPr>
-      <p:sp>
-        <p:nvSpPr>
-          <p:cNvPr id="265" name="PlaceHolder 1"/>
-          <p:cNvSpPr>
-            <a:spLocks noGrp="1"/>
-          </p:cNvSpPr>
-          <p:nvPr>
-            <p:ph type="title"/>
-          </p:nvPr>
-        </p:nvSpPr>
-        <p:spPr>
-          <a:xfrm>
-            <a:off x="814320" y="392400"/>
-            <a:ext cx="5258160" cy="765720"/>
-          </a:xfrm>
-          <a:prstGeom prst="rect">
-            <a:avLst/>
-          </a:prstGeom>
-          <a:noFill/>
-          <a:ln w="0">
-            <a:noFill/>
-          </a:ln>
-        </p:spPr>
-        <p:txBody>
-          <a:bodyPr tIns="91440" bIns="91440" anchor="ctr">
-            <a:noAutofit/>
-          </a:bodyPr>
-          <a:lstStyle/>
-          <a:p>
-            <a:pPr>
-              <a:lnSpc>
-                <a:spcPct val="100000"/>
-              </a:lnSpc>
-              <a:buNone/>
-            </a:pPr>
-            <a:r>
-              <a:rPr lang="en-US" sz="2000" b="1" strike="noStrike" spc="-1">
-                <a:solidFill>
-                  <a:srgbClr val="FFFFFF"/>
-                </a:solidFill>
-                <a:latin typeface="Roboto Condensed"/>
-                <a:ea typeface="Roboto Condensed"/>
-              </a:rPr>
-              <a:t>Progress</a:t>
-            </a:r>
-            <a:endParaRPr lang="en-US" sz="2000" b="0" strike="noStrike" spc="-1">
-              <a:solidFill>
-                <a:srgbClr val="000000"/>
-              </a:solidFill>
-              <a:latin typeface="Arial"/>
-            </a:endParaRPr>
-          </a:p>
-        </p:txBody>
-      </p:sp>
-      <p:sp>
-        <p:nvSpPr>
-          <p:cNvPr id="266" name="PlaceHolder 2"/>
-          <p:cNvSpPr>
-            <a:spLocks noGrp="1"/>
-          </p:cNvSpPr>
-          <p:nvPr>
-            <p:ph/>
-          </p:nvPr>
-        </p:nvSpPr>
-        <p:spPr>
-          <a:xfrm>
-            <a:off x="814320" y="1301715"/>
-            <a:ext cx="6872254" cy="548516"/>
-          </a:xfrm>
-          <a:prstGeom prst="rect">
-            <a:avLst/>
-          </a:prstGeom>
-          <a:noFill/>
-          <a:ln w="0">
-            <a:noFill/>
-          </a:ln>
-        </p:spPr>
-        <p:txBody>
-          <a:bodyPr tIns="91440" bIns="91440" anchor="t">
-            <a:noAutofit/>
-          </a:bodyPr>
-          <a:lstStyle/>
-          <a:p>
-            <a:pPr marL="101520" algn="ctr">
-              <a:lnSpc>
-                <a:spcPct val="100000"/>
-              </a:lnSpc>
-              <a:spcBef>
-                <a:spcPts val="601"/>
-              </a:spcBef>
-              <a:buNone/>
-              <a:tabLst>
-                <a:tab pos="0" algn="l"/>
-              </a:tabLst>
-            </a:pPr>
-            <a:r>
-              <a:rPr lang="en-US" sz="2000" b="1" spc="-1">
-                <a:solidFill>
-                  <a:srgbClr val="263248"/>
-                </a:solidFill>
-                <a:latin typeface="Roboto Condensed Light"/>
-                <a:ea typeface="Roboto Condensed Light"/>
-              </a:rPr>
-              <a:t>Interpretation</a:t>
-            </a:r>
-            <a:endParaRPr lang="en-US" sz="2000" b="0" strike="noStrike" spc="-1">
-              <a:solidFill>
-                <a:srgbClr val="000000"/>
-              </a:solidFill>
-              <a:latin typeface="Arial"/>
-            </a:endParaRPr>
-          </a:p>
-        </p:txBody>
-      </p:sp>
-      <p:sp>
-        <p:nvSpPr>
-          <p:cNvPr id="267" name="PlaceHolder 3"/>
-          <p:cNvSpPr>
-            <a:spLocks noGrp="1"/>
-          </p:cNvSpPr>
-          <p:nvPr>
-            <p:ph type="sldNum" idx="19"/>
-          </p:nvPr>
-        </p:nvSpPr>
-        <p:spPr>
-          <a:xfrm>
-            <a:off x="7617960" y="4636440"/>
-            <a:ext cx="1487160" cy="315360"/>
-          </a:xfrm>
-          <a:prstGeom prst="rect">
-            <a:avLst/>
-          </a:prstGeom>
-          <a:noFill/>
-          <a:ln w="0">
-            <a:noFill/>
-          </a:ln>
-        </p:spPr>
-        <p:txBody>
-          <a:bodyPr tIns="91440" bIns="91440" anchor="ctr">
-            <a:noAutofit/>
-          </a:bodyPr>
-          <a:lstStyle>
-            <a:lvl1pPr algn="r">
-              <a:lnSpc>
-                <a:spcPct val="100000"/>
-              </a:lnSpc>
-              <a:buNone/>
-              <a:tabLst>
-                <a:tab pos="0" algn="l"/>
-              </a:tabLst>
-              <a:defRPr lang="en" sz="1200" b="1" strike="noStrike" spc="-1">
-                <a:solidFill>
-                  <a:srgbClr val="FFFFFF"/>
-                </a:solidFill>
-                <a:latin typeface="Roboto Condensed"/>
-                <a:ea typeface="Roboto Condensed"/>
-              </a:defRPr>
-            </a:lvl1pPr>
-          </a:lstStyle>
-          <a:p>
-            <a:pPr algn="r">
-              <a:lnSpc>
-                <a:spcPct val="100000"/>
-              </a:lnSpc>
-              <a:buNone/>
-              <a:tabLst>
-                <a:tab pos="0" algn="l"/>
-              </a:tabLst>
-            </a:pPr>
-            <a:fld id="{60D9B6D1-5AE7-4255-91C6-B11C986EB5C3}" type="slidenum">
-              <a:rPr lang="en" sz="1200" b="1" strike="noStrike" spc="-1">
-                <a:solidFill>
-                  <a:srgbClr val="FFFFFF"/>
-                </a:solidFill>
-                <a:latin typeface="Roboto Condensed"/>
-                <a:ea typeface="Roboto Condensed"/>
-              </a:rPr>
-              <a:t>15</a:t>
-            </a:fld>
-            <a:endParaRPr lang="en-US" sz="1200" b="0" strike="noStrike" spc="-1">
-              <a:latin typeface="Times New Roman"/>
-            </a:endParaRPr>
-          </a:p>
-        </p:txBody>
-      </p:sp>
-    </p:spTree>
   </p:cSld>
   <p:clrMapOvr>
     <a:masterClrMapping/>
@@ -15923,7 +15815,7 @@
                 <a:latin typeface="Roboto Condensed Light"/>
                 <a:ea typeface="Roboto Condensed Light"/>
               </a:rPr>
-              <a:t>And Main thing introduce dynamic analysis also to interpret</a:t>
+              <a:t>Try to introduce dynamic analysis also to interpret</a:t>
             </a:r>
             <a:endParaRPr lang="en-US" sz="2000" b="0" strike="noStrike" spc="-1">
               <a:solidFill>

--- a/SPL-1_Mid Presentation.pptx
+++ b/SPL-1_Mid Presentation.pptx
@@ -881,6 +881,753 @@
 </file>
 
 <file path=ppt/diagrams/colors2.xml><?xml version="1.0" encoding="utf-8"?>
+<dgm:colorsDef xmlns:dgm="http://schemas.openxmlformats.org/drawingml/2006/diagram" xmlns:a="http://schemas.openxmlformats.org/drawingml/2006/main" uniqueId="urn:microsoft.com/office/officeart/2005/8/colors/accent1_2">
+  <dgm:title val=""/>
+  <dgm:desc val=""/>
+  <dgm:catLst>
+    <dgm:cat type="accent1" pri="11200"/>
+  </dgm:catLst>
+  <dgm:styleLbl name="node0">
+    <dgm:fillClrLst meth="repeat">
+      <a:schemeClr val="accent1"/>
+    </dgm:fillClrLst>
+    <dgm:linClrLst meth="repeat">
+      <a:schemeClr val="lt1"/>
+    </dgm:linClrLst>
+    <dgm:effectClrLst/>
+    <dgm:txLinClrLst/>
+    <dgm:txFillClrLst/>
+    <dgm:txEffectClrLst/>
+  </dgm:styleLbl>
+  <dgm:styleLbl name="alignNode1">
+    <dgm:fillClrLst meth="repeat">
+      <a:schemeClr val="accent1"/>
+    </dgm:fillClrLst>
+    <dgm:linClrLst meth="repeat">
+      <a:schemeClr val="accent1"/>
+    </dgm:linClrLst>
+    <dgm:effectClrLst/>
+    <dgm:txLinClrLst/>
+    <dgm:txFillClrLst/>
+    <dgm:txEffectClrLst/>
+  </dgm:styleLbl>
+  <dgm:styleLbl name="node1">
+    <dgm:fillClrLst meth="repeat">
+      <a:schemeClr val="accent1"/>
+    </dgm:fillClrLst>
+    <dgm:linClrLst meth="repeat">
+      <a:schemeClr val="lt1"/>
+    </dgm:linClrLst>
+    <dgm:effectClrLst/>
+    <dgm:txLinClrLst/>
+    <dgm:txFillClrLst/>
+    <dgm:txEffectClrLst/>
+  </dgm:styleLbl>
+  <dgm:styleLbl name="lnNode1">
+    <dgm:fillClrLst meth="repeat">
+      <a:schemeClr val="accent1"/>
+    </dgm:fillClrLst>
+    <dgm:linClrLst meth="repeat">
+      <a:schemeClr val="lt1"/>
+    </dgm:linClrLst>
+    <dgm:effectClrLst/>
+    <dgm:txLinClrLst/>
+    <dgm:txFillClrLst/>
+    <dgm:txEffectClrLst/>
+  </dgm:styleLbl>
+  <dgm:styleLbl name="vennNode1">
+    <dgm:fillClrLst meth="repeat">
+      <a:schemeClr val="accent1">
+        <a:alpha val="50000"/>
+      </a:schemeClr>
+    </dgm:fillClrLst>
+    <dgm:linClrLst meth="repeat">
+      <a:schemeClr val="lt1"/>
+    </dgm:linClrLst>
+    <dgm:effectClrLst/>
+    <dgm:txLinClrLst/>
+    <dgm:txFillClrLst/>
+    <dgm:txEffectClrLst/>
+  </dgm:styleLbl>
+  <dgm:styleLbl name="node2">
+    <dgm:fillClrLst meth="repeat">
+      <a:schemeClr val="accent1"/>
+    </dgm:fillClrLst>
+    <dgm:linClrLst meth="repeat">
+      <a:schemeClr val="lt1"/>
+    </dgm:linClrLst>
+    <dgm:effectClrLst/>
+    <dgm:txLinClrLst/>
+    <dgm:txFillClrLst/>
+    <dgm:txEffectClrLst/>
+  </dgm:styleLbl>
+  <dgm:styleLbl name="node3">
+    <dgm:fillClrLst meth="repeat">
+      <a:schemeClr val="accent1"/>
+    </dgm:fillClrLst>
+    <dgm:linClrLst meth="repeat">
+      <a:schemeClr val="lt1"/>
+    </dgm:linClrLst>
+    <dgm:effectClrLst/>
+    <dgm:txLinClrLst/>
+    <dgm:txFillClrLst/>
+    <dgm:txEffectClrLst/>
+  </dgm:styleLbl>
+  <dgm:styleLbl name="node4">
+    <dgm:fillClrLst meth="repeat">
+      <a:schemeClr val="accent1"/>
+    </dgm:fillClrLst>
+    <dgm:linClrLst meth="repeat">
+      <a:schemeClr val="lt1"/>
+    </dgm:linClrLst>
+    <dgm:effectClrLst/>
+    <dgm:txLinClrLst/>
+    <dgm:txFillClrLst/>
+    <dgm:txEffectClrLst/>
+  </dgm:styleLbl>
+  <dgm:styleLbl name="fgImgPlace1">
+    <dgm:fillClrLst meth="repeat">
+      <a:schemeClr val="accent1">
+        <a:tint val="50000"/>
+      </a:schemeClr>
+    </dgm:fillClrLst>
+    <dgm:linClrLst meth="repeat">
+      <a:schemeClr val="lt1"/>
+    </dgm:linClrLst>
+    <dgm:effectClrLst/>
+    <dgm:txLinClrLst/>
+    <dgm:txFillClrLst meth="repeat">
+      <a:schemeClr val="lt1"/>
+    </dgm:txFillClrLst>
+    <dgm:txEffectClrLst/>
+  </dgm:styleLbl>
+  <dgm:styleLbl name="alignImgPlace1">
+    <dgm:fillClrLst meth="repeat">
+      <a:schemeClr val="accent1">
+        <a:tint val="50000"/>
+      </a:schemeClr>
+    </dgm:fillClrLst>
+    <dgm:linClrLst meth="repeat">
+      <a:schemeClr val="lt1"/>
+    </dgm:linClrLst>
+    <dgm:effectClrLst/>
+    <dgm:txLinClrLst/>
+    <dgm:txFillClrLst meth="repeat">
+      <a:schemeClr val="lt1"/>
+    </dgm:txFillClrLst>
+    <dgm:txEffectClrLst/>
+  </dgm:styleLbl>
+  <dgm:styleLbl name="bgImgPlace1">
+    <dgm:fillClrLst meth="repeat">
+      <a:schemeClr val="accent1">
+        <a:tint val="50000"/>
+      </a:schemeClr>
+    </dgm:fillClrLst>
+    <dgm:linClrLst meth="repeat">
+      <a:schemeClr val="lt1"/>
+    </dgm:linClrLst>
+    <dgm:effectClrLst/>
+    <dgm:txLinClrLst/>
+    <dgm:txFillClrLst meth="repeat">
+      <a:schemeClr val="lt1"/>
+    </dgm:txFillClrLst>
+    <dgm:txEffectClrLst/>
+  </dgm:styleLbl>
+  <dgm:styleLbl name="sibTrans2D1">
+    <dgm:fillClrLst meth="repeat">
+      <a:schemeClr val="accent1">
+        <a:tint val="60000"/>
+      </a:schemeClr>
+    </dgm:fillClrLst>
+    <dgm:linClrLst meth="repeat">
+      <a:schemeClr val="accent1">
+        <a:tint val="60000"/>
+      </a:schemeClr>
+    </dgm:linClrLst>
+    <dgm:effectClrLst/>
+    <dgm:txLinClrLst/>
+    <dgm:txFillClrLst/>
+    <dgm:txEffectClrLst/>
+  </dgm:styleLbl>
+  <dgm:styleLbl name="fgSibTrans2D1">
+    <dgm:fillClrLst meth="repeat">
+      <a:schemeClr val="accent1">
+        <a:tint val="60000"/>
+      </a:schemeClr>
+    </dgm:fillClrLst>
+    <dgm:linClrLst meth="repeat">
+      <a:schemeClr val="accent1">
+        <a:tint val="60000"/>
+      </a:schemeClr>
+    </dgm:linClrLst>
+    <dgm:effectClrLst/>
+    <dgm:txLinClrLst/>
+    <dgm:txFillClrLst/>
+    <dgm:txEffectClrLst/>
+  </dgm:styleLbl>
+  <dgm:styleLbl name="bgSibTrans2D1">
+    <dgm:fillClrLst meth="repeat">
+      <a:schemeClr val="accent1">
+        <a:tint val="60000"/>
+      </a:schemeClr>
+    </dgm:fillClrLst>
+    <dgm:linClrLst meth="repeat">
+      <a:schemeClr val="accent1">
+        <a:tint val="60000"/>
+      </a:schemeClr>
+    </dgm:linClrLst>
+    <dgm:effectClrLst/>
+    <dgm:txLinClrLst/>
+    <dgm:txFillClrLst/>
+    <dgm:txEffectClrLst/>
+  </dgm:styleLbl>
+  <dgm:styleLbl name="sibTrans1D1">
+    <dgm:fillClrLst meth="repeat">
+      <a:schemeClr val="accent1"/>
+    </dgm:fillClrLst>
+    <dgm:linClrLst meth="repeat">
+      <a:schemeClr val="accent1"/>
+    </dgm:linClrLst>
+    <dgm:effectClrLst/>
+    <dgm:txLinClrLst/>
+    <dgm:txFillClrLst meth="repeat">
+      <a:schemeClr val="tx1"/>
+    </dgm:txFillClrLst>
+    <dgm:txEffectClrLst/>
+  </dgm:styleLbl>
+  <dgm:styleLbl name="callout">
+    <dgm:fillClrLst meth="repeat">
+      <a:schemeClr val="accent1"/>
+    </dgm:fillClrLst>
+    <dgm:linClrLst meth="repeat">
+      <a:schemeClr val="accent1">
+        <a:tint val="50000"/>
+      </a:schemeClr>
+    </dgm:linClrLst>
+    <dgm:effectClrLst/>
+    <dgm:txLinClrLst/>
+    <dgm:txFillClrLst meth="repeat">
+      <a:schemeClr val="tx1"/>
+    </dgm:txFillClrLst>
+    <dgm:txEffectClrLst/>
+  </dgm:styleLbl>
+  <dgm:styleLbl name="asst0">
+    <dgm:fillClrLst meth="repeat">
+      <a:schemeClr val="accent1"/>
+    </dgm:fillClrLst>
+    <dgm:linClrLst meth="repeat">
+      <a:schemeClr val="lt1"/>
+    </dgm:linClrLst>
+    <dgm:effectClrLst/>
+    <dgm:txLinClrLst/>
+    <dgm:txFillClrLst/>
+    <dgm:txEffectClrLst/>
+  </dgm:styleLbl>
+  <dgm:styleLbl name="asst1">
+    <dgm:fillClrLst meth="repeat">
+      <a:schemeClr val="accent1"/>
+    </dgm:fillClrLst>
+    <dgm:linClrLst meth="repeat">
+      <a:schemeClr val="lt1"/>
+    </dgm:linClrLst>
+    <dgm:effectClrLst/>
+    <dgm:txLinClrLst/>
+    <dgm:txFillClrLst/>
+    <dgm:txEffectClrLst/>
+  </dgm:styleLbl>
+  <dgm:styleLbl name="asst2">
+    <dgm:fillClrLst meth="repeat">
+      <a:schemeClr val="accent1"/>
+    </dgm:fillClrLst>
+    <dgm:linClrLst meth="repeat">
+      <a:schemeClr val="lt1"/>
+    </dgm:linClrLst>
+    <dgm:effectClrLst/>
+    <dgm:txLinClrLst/>
+    <dgm:txFillClrLst/>
+    <dgm:txEffectClrLst/>
+  </dgm:styleLbl>
+  <dgm:styleLbl name="asst3">
+    <dgm:fillClrLst meth="repeat">
+      <a:schemeClr val="accent1"/>
+    </dgm:fillClrLst>
+    <dgm:linClrLst meth="repeat">
+      <a:schemeClr val="lt1"/>
+    </dgm:linClrLst>
+    <dgm:effectClrLst/>
+    <dgm:txLinClrLst/>
+    <dgm:txFillClrLst/>
+    <dgm:txEffectClrLst/>
+  </dgm:styleLbl>
+  <dgm:styleLbl name="asst4">
+    <dgm:fillClrLst meth="repeat">
+      <a:schemeClr val="accent1"/>
+    </dgm:fillClrLst>
+    <dgm:linClrLst meth="repeat">
+      <a:schemeClr val="lt1"/>
+    </dgm:linClrLst>
+    <dgm:effectClrLst/>
+    <dgm:txLinClrLst/>
+    <dgm:txFillClrLst/>
+    <dgm:txEffectClrLst/>
+  </dgm:styleLbl>
+  <dgm:styleLbl name="parChTrans2D1">
+    <dgm:fillClrLst meth="repeat">
+      <a:schemeClr val="accent1">
+        <a:tint val="60000"/>
+      </a:schemeClr>
+    </dgm:fillClrLst>
+    <dgm:linClrLst meth="repeat">
+      <a:schemeClr val="accent1">
+        <a:tint val="60000"/>
+      </a:schemeClr>
+    </dgm:linClrLst>
+    <dgm:effectClrLst/>
+    <dgm:txLinClrLst/>
+    <dgm:txFillClrLst meth="repeat">
+      <a:schemeClr val="lt1"/>
+    </dgm:txFillClrLst>
+    <dgm:txEffectClrLst/>
+  </dgm:styleLbl>
+  <dgm:styleLbl name="parChTrans2D2">
+    <dgm:fillClrLst meth="repeat">
+      <a:schemeClr val="accent1"/>
+    </dgm:fillClrLst>
+    <dgm:linClrLst meth="repeat">
+      <a:schemeClr val="accent1"/>
+    </dgm:linClrLst>
+    <dgm:effectClrLst/>
+    <dgm:txLinClrLst/>
+    <dgm:txFillClrLst meth="repeat">
+      <a:schemeClr val="lt1"/>
+    </dgm:txFillClrLst>
+    <dgm:txEffectClrLst/>
+  </dgm:styleLbl>
+  <dgm:styleLbl name="parChTrans2D3">
+    <dgm:fillClrLst meth="repeat">
+      <a:schemeClr val="accent1"/>
+    </dgm:fillClrLst>
+    <dgm:linClrLst meth="repeat">
+      <a:schemeClr val="accent1"/>
+    </dgm:linClrLst>
+    <dgm:effectClrLst/>
+    <dgm:txLinClrLst/>
+    <dgm:txFillClrLst meth="repeat">
+      <a:schemeClr val="lt1"/>
+    </dgm:txFillClrLst>
+    <dgm:txEffectClrLst/>
+  </dgm:styleLbl>
+  <dgm:styleLbl name="parChTrans2D4">
+    <dgm:fillClrLst meth="repeat">
+      <a:schemeClr val="accent1"/>
+    </dgm:fillClrLst>
+    <dgm:linClrLst meth="repeat">
+      <a:schemeClr val="accent1"/>
+    </dgm:linClrLst>
+    <dgm:effectClrLst/>
+    <dgm:txLinClrLst/>
+    <dgm:txFillClrLst meth="repeat">
+      <a:schemeClr val="lt1"/>
+    </dgm:txFillClrLst>
+    <dgm:txEffectClrLst/>
+  </dgm:styleLbl>
+  <dgm:styleLbl name="parChTrans1D1">
+    <dgm:fillClrLst meth="repeat">
+      <a:schemeClr val="accent1"/>
+    </dgm:fillClrLst>
+    <dgm:linClrLst meth="repeat">
+      <a:schemeClr val="accent1">
+        <a:shade val="60000"/>
+      </a:schemeClr>
+    </dgm:linClrLst>
+    <dgm:effectClrLst/>
+    <dgm:txLinClrLst/>
+    <dgm:txFillClrLst meth="repeat">
+      <a:schemeClr val="tx1"/>
+    </dgm:txFillClrLst>
+    <dgm:txEffectClrLst/>
+  </dgm:styleLbl>
+  <dgm:styleLbl name="parChTrans1D2">
+    <dgm:fillClrLst meth="repeat">
+      <a:schemeClr val="accent1"/>
+    </dgm:fillClrLst>
+    <dgm:linClrLst meth="repeat">
+      <a:schemeClr val="accent1">
+        <a:shade val="60000"/>
+      </a:schemeClr>
+    </dgm:linClrLst>
+    <dgm:effectClrLst/>
+    <dgm:txLinClrLst/>
+    <dgm:txFillClrLst meth="repeat">
+      <a:schemeClr val="tx1"/>
+    </dgm:txFillClrLst>
+    <dgm:txEffectClrLst/>
+  </dgm:styleLbl>
+  <dgm:styleLbl name="parChTrans1D3">
+    <dgm:fillClrLst meth="repeat">
+      <a:schemeClr val="accent1"/>
+    </dgm:fillClrLst>
+    <dgm:linClrLst meth="repeat">
+      <a:schemeClr val="accent1">
+        <a:shade val="80000"/>
+      </a:schemeClr>
+    </dgm:linClrLst>
+    <dgm:effectClrLst/>
+    <dgm:txLinClrLst/>
+    <dgm:txFillClrLst meth="repeat">
+      <a:schemeClr val="tx1"/>
+    </dgm:txFillClrLst>
+    <dgm:txEffectClrLst/>
+  </dgm:styleLbl>
+  <dgm:styleLbl name="parChTrans1D4">
+    <dgm:fillClrLst meth="repeat">
+      <a:schemeClr val="accent1"/>
+    </dgm:fillClrLst>
+    <dgm:linClrLst meth="repeat">
+      <a:schemeClr val="accent1">
+        <a:shade val="80000"/>
+      </a:schemeClr>
+    </dgm:linClrLst>
+    <dgm:effectClrLst/>
+    <dgm:txLinClrLst/>
+    <dgm:txFillClrLst meth="repeat">
+      <a:schemeClr val="tx1"/>
+    </dgm:txFillClrLst>
+    <dgm:txEffectClrLst/>
+  </dgm:styleLbl>
+  <dgm:styleLbl name="fgAcc1">
+    <dgm:fillClrLst meth="repeat">
+      <a:schemeClr val="lt1">
+        <a:alpha val="90000"/>
+      </a:schemeClr>
+    </dgm:fillClrLst>
+    <dgm:linClrLst meth="repeat">
+      <a:schemeClr val="accent1"/>
+    </dgm:linClrLst>
+    <dgm:effectClrLst/>
+    <dgm:txLinClrLst/>
+    <dgm:txFillClrLst meth="repeat">
+      <a:schemeClr val="dk1"/>
+    </dgm:txFillClrLst>
+    <dgm:txEffectClrLst/>
+  </dgm:styleLbl>
+  <dgm:styleLbl name="conFgAcc1">
+    <dgm:fillClrLst meth="repeat">
+      <a:schemeClr val="lt1">
+        <a:alpha val="90000"/>
+      </a:schemeClr>
+    </dgm:fillClrLst>
+    <dgm:linClrLst meth="repeat">
+      <a:schemeClr val="accent1"/>
+    </dgm:linClrLst>
+    <dgm:effectClrLst/>
+    <dgm:txLinClrLst/>
+    <dgm:txFillClrLst meth="repeat">
+      <a:schemeClr val="dk1"/>
+    </dgm:txFillClrLst>
+    <dgm:txEffectClrLst/>
+  </dgm:styleLbl>
+  <dgm:styleLbl name="alignAcc1">
+    <dgm:fillClrLst meth="repeat">
+      <a:schemeClr val="lt1">
+        <a:alpha val="90000"/>
+      </a:schemeClr>
+    </dgm:fillClrLst>
+    <dgm:linClrLst meth="repeat">
+      <a:schemeClr val="accent1"/>
+    </dgm:linClrLst>
+    <dgm:effectClrLst/>
+    <dgm:txLinClrLst/>
+    <dgm:txFillClrLst meth="repeat">
+      <a:schemeClr val="dk1"/>
+    </dgm:txFillClrLst>
+    <dgm:txEffectClrLst/>
+  </dgm:styleLbl>
+  <dgm:styleLbl name="trAlignAcc1">
+    <dgm:fillClrLst meth="repeat">
+      <a:schemeClr val="lt1">
+        <a:alpha val="40000"/>
+      </a:schemeClr>
+    </dgm:fillClrLst>
+    <dgm:linClrLst meth="repeat">
+      <a:schemeClr val="accent1"/>
+    </dgm:linClrLst>
+    <dgm:effectClrLst/>
+    <dgm:txLinClrLst/>
+    <dgm:txFillClrLst meth="repeat">
+      <a:schemeClr val="dk1"/>
+    </dgm:txFillClrLst>
+    <dgm:txEffectClrLst/>
+  </dgm:styleLbl>
+  <dgm:styleLbl name="bgAcc1">
+    <dgm:fillClrLst meth="repeat">
+      <a:schemeClr val="lt1">
+        <a:alpha val="90000"/>
+      </a:schemeClr>
+    </dgm:fillClrLst>
+    <dgm:linClrLst meth="repeat">
+      <a:schemeClr val="accent1"/>
+    </dgm:linClrLst>
+    <dgm:effectClrLst/>
+    <dgm:txLinClrLst/>
+    <dgm:txFillClrLst meth="repeat">
+      <a:schemeClr val="dk1"/>
+    </dgm:txFillClrLst>
+    <dgm:txEffectClrLst/>
+  </dgm:styleLbl>
+  <dgm:styleLbl name="solidFgAcc1">
+    <dgm:fillClrLst meth="repeat">
+      <a:schemeClr val="lt1"/>
+    </dgm:fillClrLst>
+    <dgm:linClrLst meth="repeat">
+      <a:schemeClr val="accent1"/>
+    </dgm:linClrLst>
+    <dgm:effectClrLst/>
+    <dgm:txLinClrLst/>
+    <dgm:txFillClrLst meth="repeat">
+      <a:schemeClr val="dk1"/>
+    </dgm:txFillClrLst>
+    <dgm:txEffectClrLst/>
+  </dgm:styleLbl>
+  <dgm:styleLbl name="solidAlignAcc1">
+    <dgm:fillClrLst meth="repeat">
+      <a:schemeClr val="lt1"/>
+    </dgm:fillClrLst>
+    <dgm:linClrLst meth="repeat">
+      <a:schemeClr val="accent1"/>
+    </dgm:linClrLst>
+    <dgm:effectClrLst/>
+    <dgm:txLinClrLst/>
+    <dgm:txFillClrLst meth="repeat">
+      <a:schemeClr val="dk1"/>
+    </dgm:txFillClrLst>
+    <dgm:txEffectClrLst/>
+  </dgm:styleLbl>
+  <dgm:styleLbl name="solidBgAcc1">
+    <dgm:fillClrLst meth="repeat">
+      <a:schemeClr val="lt1"/>
+    </dgm:fillClrLst>
+    <dgm:linClrLst meth="repeat">
+      <a:schemeClr val="accent1"/>
+    </dgm:linClrLst>
+    <dgm:effectClrLst/>
+    <dgm:txLinClrLst/>
+    <dgm:txFillClrLst meth="repeat">
+      <a:schemeClr val="dk1"/>
+    </dgm:txFillClrLst>
+    <dgm:txEffectClrLst/>
+  </dgm:styleLbl>
+  <dgm:styleLbl name="fgAccFollowNode1">
+    <dgm:fillClrLst meth="repeat">
+      <a:schemeClr val="accent1">
+        <a:alpha val="90000"/>
+        <a:tint val="40000"/>
+      </a:schemeClr>
+    </dgm:fillClrLst>
+    <dgm:linClrLst meth="repeat">
+      <a:schemeClr val="accent1">
+        <a:alpha val="90000"/>
+        <a:tint val="40000"/>
+      </a:schemeClr>
+    </dgm:linClrLst>
+    <dgm:effectClrLst/>
+    <dgm:txLinClrLst/>
+    <dgm:txFillClrLst meth="repeat">
+      <a:schemeClr val="dk1"/>
+    </dgm:txFillClrLst>
+    <dgm:txEffectClrLst/>
+  </dgm:styleLbl>
+  <dgm:styleLbl name="alignAccFollowNode1">
+    <dgm:fillClrLst meth="repeat">
+      <a:schemeClr val="accent1">
+        <a:alpha val="90000"/>
+        <a:tint val="40000"/>
+      </a:schemeClr>
+    </dgm:fillClrLst>
+    <dgm:linClrLst meth="repeat">
+      <a:schemeClr val="accent1">
+        <a:alpha val="90000"/>
+        <a:tint val="40000"/>
+      </a:schemeClr>
+    </dgm:linClrLst>
+    <dgm:effectClrLst/>
+    <dgm:txLinClrLst/>
+    <dgm:txFillClrLst meth="repeat">
+      <a:schemeClr val="dk1"/>
+    </dgm:txFillClrLst>
+    <dgm:txEffectClrLst/>
+  </dgm:styleLbl>
+  <dgm:styleLbl name="bgAccFollowNode1">
+    <dgm:fillClrLst meth="repeat">
+      <a:schemeClr val="accent1">
+        <a:alpha val="90000"/>
+        <a:tint val="40000"/>
+      </a:schemeClr>
+    </dgm:fillClrLst>
+    <dgm:linClrLst meth="repeat">
+      <a:schemeClr val="accent1">
+        <a:alpha val="90000"/>
+        <a:tint val="40000"/>
+      </a:schemeClr>
+    </dgm:linClrLst>
+    <dgm:effectClrLst/>
+    <dgm:txLinClrLst/>
+    <dgm:txFillClrLst meth="repeat">
+      <a:schemeClr val="dk1"/>
+    </dgm:txFillClrLst>
+    <dgm:txEffectClrLst/>
+  </dgm:styleLbl>
+  <dgm:styleLbl name="fgAcc0">
+    <dgm:fillClrLst meth="repeat">
+      <a:schemeClr val="lt1">
+        <a:alpha val="90000"/>
+      </a:schemeClr>
+    </dgm:fillClrLst>
+    <dgm:linClrLst meth="repeat">
+      <a:schemeClr val="accent1"/>
+    </dgm:linClrLst>
+    <dgm:effectClrLst/>
+    <dgm:txLinClrLst/>
+    <dgm:txFillClrLst meth="repeat">
+      <a:schemeClr val="dk1"/>
+    </dgm:txFillClrLst>
+    <dgm:txEffectClrLst/>
+  </dgm:styleLbl>
+  <dgm:styleLbl name="fgAcc2">
+    <dgm:fillClrLst meth="repeat">
+      <a:schemeClr val="lt1">
+        <a:alpha val="90000"/>
+      </a:schemeClr>
+    </dgm:fillClrLst>
+    <dgm:linClrLst meth="repeat">
+      <a:schemeClr val="accent1"/>
+    </dgm:linClrLst>
+    <dgm:effectClrLst/>
+    <dgm:txLinClrLst/>
+    <dgm:txFillClrLst meth="repeat">
+      <a:schemeClr val="dk1"/>
+    </dgm:txFillClrLst>
+    <dgm:txEffectClrLst/>
+  </dgm:styleLbl>
+  <dgm:styleLbl name="fgAcc3">
+    <dgm:fillClrLst meth="repeat">
+      <a:schemeClr val="lt1">
+        <a:alpha val="90000"/>
+      </a:schemeClr>
+    </dgm:fillClrLst>
+    <dgm:linClrLst meth="repeat">
+      <a:schemeClr val="accent1"/>
+    </dgm:linClrLst>
+    <dgm:effectClrLst/>
+    <dgm:txLinClrLst/>
+    <dgm:txFillClrLst meth="repeat">
+      <a:schemeClr val="dk1"/>
+    </dgm:txFillClrLst>
+    <dgm:txEffectClrLst/>
+  </dgm:styleLbl>
+  <dgm:styleLbl name="fgAcc4">
+    <dgm:fillClrLst meth="repeat">
+      <a:schemeClr val="lt1">
+        <a:alpha val="90000"/>
+      </a:schemeClr>
+    </dgm:fillClrLst>
+    <dgm:linClrLst meth="repeat">
+      <a:schemeClr val="accent1"/>
+    </dgm:linClrLst>
+    <dgm:effectClrLst/>
+    <dgm:txLinClrLst/>
+    <dgm:txFillClrLst meth="repeat">
+      <a:schemeClr val="dk1"/>
+    </dgm:txFillClrLst>
+    <dgm:txEffectClrLst/>
+  </dgm:styleLbl>
+  <dgm:styleLbl name="bgShp">
+    <dgm:fillClrLst meth="repeat">
+      <a:schemeClr val="accent1">
+        <a:tint val="40000"/>
+      </a:schemeClr>
+    </dgm:fillClrLst>
+    <dgm:linClrLst meth="repeat">
+      <a:schemeClr val="accent1"/>
+    </dgm:linClrLst>
+    <dgm:effectClrLst/>
+    <dgm:txLinClrLst/>
+    <dgm:txFillClrLst meth="repeat">
+      <a:schemeClr val="dk1"/>
+    </dgm:txFillClrLst>
+    <dgm:txEffectClrLst/>
+  </dgm:styleLbl>
+  <dgm:styleLbl name="dkBgShp">
+    <dgm:fillClrLst meth="repeat">
+      <a:schemeClr val="accent1">
+        <a:shade val="80000"/>
+      </a:schemeClr>
+    </dgm:fillClrLst>
+    <dgm:linClrLst meth="repeat">
+      <a:schemeClr val="accent1"/>
+    </dgm:linClrLst>
+    <dgm:effectClrLst/>
+    <dgm:txLinClrLst/>
+    <dgm:txFillClrLst meth="repeat">
+      <a:schemeClr val="lt1"/>
+    </dgm:txFillClrLst>
+    <dgm:txEffectClrLst/>
+  </dgm:styleLbl>
+  <dgm:styleLbl name="trBgShp">
+    <dgm:fillClrLst meth="repeat">
+      <a:schemeClr val="accent1">
+        <a:tint val="50000"/>
+        <a:alpha val="40000"/>
+      </a:schemeClr>
+    </dgm:fillClrLst>
+    <dgm:linClrLst meth="repeat">
+      <a:schemeClr val="accent1"/>
+    </dgm:linClrLst>
+    <dgm:effectClrLst/>
+    <dgm:txLinClrLst/>
+    <dgm:txFillClrLst meth="repeat">
+      <a:schemeClr val="lt1"/>
+    </dgm:txFillClrLst>
+    <dgm:txEffectClrLst/>
+  </dgm:styleLbl>
+  <dgm:styleLbl name="fgShp">
+    <dgm:fillClrLst meth="repeat">
+      <a:schemeClr val="accent1">
+        <a:tint val="60000"/>
+      </a:schemeClr>
+    </dgm:fillClrLst>
+    <dgm:linClrLst meth="repeat">
+      <a:schemeClr val="lt1"/>
+    </dgm:linClrLst>
+    <dgm:effectClrLst/>
+    <dgm:txLinClrLst/>
+    <dgm:txFillClrLst meth="repeat">
+      <a:schemeClr val="dk1"/>
+    </dgm:txFillClrLst>
+    <dgm:txEffectClrLst/>
+  </dgm:styleLbl>
+  <dgm:styleLbl name="revTx">
+    <dgm:fillClrLst meth="repeat">
+      <a:schemeClr val="lt1">
+        <a:alpha val="0"/>
+      </a:schemeClr>
+    </dgm:fillClrLst>
+    <dgm:linClrLst meth="repeat">
+      <a:schemeClr val="dk1">
+        <a:alpha val="0"/>
+      </a:schemeClr>
+    </dgm:linClrLst>
+    <dgm:effectClrLst/>
+    <dgm:txLinClrLst/>
+    <dgm:txFillClrLst meth="repeat">
+      <a:schemeClr val="tx1"/>
+    </dgm:txFillClrLst>
+    <dgm:txEffectClrLst/>
+  </dgm:styleLbl>
+</dgm:colorsDef>
+</file>
+
+<file path=ppt/diagrams/colors3.xml><?xml version="1.0" encoding="utf-8"?>
 <dgm:colorsDef xmlns:dgm="http://schemas.openxmlformats.org/drawingml/2006/diagram" xmlns:a="http://schemas.openxmlformats.org/drawingml/2006/main" uniqueId="urn:microsoft.com/office/officeart/2005/8/colors/accent1_2">
   <dgm:title val=""/>
   <dgm:desc val=""/>
@@ -2263,6 +3010,138 @@
 <file path=ppt/diagrams/data2.xml><?xml version="1.0" encoding="utf-8"?>
 <dgm:dataModel xmlns:dgm="http://schemas.openxmlformats.org/drawingml/2006/diagram" xmlns:a="http://schemas.openxmlformats.org/drawingml/2006/main">
   <dgm:ptLst>
+    <dgm:pt modelId="{83AFC36B-7D08-4829-96B3-2C5551B3F28A}" type="doc">
+      <dgm:prSet loTypeId="urn:microsoft.com/office/officeart/2005/8/layout/vList2" loCatId="list" qsTypeId="urn:microsoft.com/office/officeart/2005/8/quickstyle/simple1" qsCatId="simple" csTypeId="urn:microsoft.com/office/officeart/2005/8/colors/accent1_2" csCatId="accent1"/>
+      <dgm:spPr/>
+      <dgm:t>
+        <a:bodyPr/>
+        <a:lstStyle/>
+        <a:p>
+          <a:endParaRPr lang="en-US"/>
+        </a:p>
+      </dgm:t>
+    </dgm:pt>
+    <dgm:pt modelId="{14112147-5E99-4D38-BFFF-A4E8F9D32AB4}">
+      <dgm:prSet/>
+      <dgm:spPr/>
+      <dgm:t>
+        <a:bodyPr/>
+        <a:lstStyle/>
+        <a:p>
+          <a:r>
+            <a:rPr lang="en-US"/>
+            <a:t>Line Of Code </a:t>
+          </a:r>
+        </a:p>
+      </dgm:t>
+    </dgm:pt>
+    <dgm:pt modelId="{F3768182-34F7-402C-A712-BE9BEA80F467}" type="parTrans" cxnId="{95C19C0A-87C7-4238-8052-00A377323D96}">
+      <dgm:prSet/>
+      <dgm:spPr/>
+      <dgm:t>
+        <a:bodyPr/>
+        <a:lstStyle/>
+        <a:p>
+          <a:endParaRPr lang="en-US"/>
+        </a:p>
+      </dgm:t>
+    </dgm:pt>
+    <dgm:pt modelId="{EC8CD897-0121-4976-8E04-5FDAF126E44B}" type="sibTrans" cxnId="{95C19C0A-87C7-4238-8052-00A377323D96}">
+      <dgm:prSet/>
+      <dgm:spPr/>
+      <dgm:t>
+        <a:bodyPr/>
+        <a:lstStyle/>
+        <a:p>
+          <a:endParaRPr lang="en-US"/>
+        </a:p>
+      </dgm:t>
+    </dgm:pt>
+    <dgm:pt modelId="{B55EBC84-2488-41AA-AF68-38BF4FC1FE46}">
+      <dgm:prSet custT="1"/>
+      <dgm:spPr/>
+      <dgm:t>
+        <a:bodyPr/>
+        <a:lstStyle/>
+        <a:p>
+          <a:r>
+            <a:rPr lang="en-US" sz="1400"/>
+            <a:t>1085</a:t>
+          </a:r>
+        </a:p>
+      </dgm:t>
+    </dgm:pt>
+    <dgm:pt modelId="{71C5B05E-A9B1-4394-A8F6-016758BEFACF}" type="parTrans" cxnId="{1F45C48C-B112-4440-BA02-DEDCB2CD8BA1}">
+      <dgm:prSet/>
+      <dgm:spPr/>
+      <dgm:t>
+        <a:bodyPr/>
+        <a:lstStyle/>
+        <a:p>
+          <a:endParaRPr lang="en-US"/>
+        </a:p>
+      </dgm:t>
+    </dgm:pt>
+    <dgm:pt modelId="{50EBAEE4-336C-4E95-8205-063D39853E95}" type="sibTrans" cxnId="{1F45C48C-B112-4440-BA02-DEDCB2CD8BA1}">
+      <dgm:prSet/>
+      <dgm:spPr/>
+      <dgm:t>
+        <a:bodyPr/>
+        <a:lstStyle/>
+        <a:p>
+          <a:endParaRPr lang="en-US"/>
+        </a:p>
+      </dgm:t>
+    </dgm:pt>
+    <dgm:pt modelId="{FF57FDFD-13E4-483C-9DDE-C515A1F795E3}" type="pres">
+      <dgm:prSet presAssocID="{83AFC36B-7D08-4829-96B3-2C5551B3F28A}" presName="linear" presStyleCnt="0">
+        <dgm:presLayoutVars>
+          <dgm:animLvl val="lvl"/>
+          <dgm:resizeHandles val="exact"/>
+        </dgm:presLayoutVars>
+      </dgm:prSet>
+      <dgm:spPr/>
+    </dgm:pt>
+    <dgm:pt modelId="{2045B6B8-45DF-4EEE-81B2-5C3B06E67208}" type="pres">
+      <dgm:prSet presAssocID="{14112147-5E99-4D38-BFFF-A4E8F9D32AB4}" presName="parentText" presStyleLbl="node1" presStyleIdx="0" presStyleCnt="1" custLinFactNeighborX="1158">
+        <dgm:presLayoutVars>
+          <dgm:chMax val="0"/>
+          <dgm:bulletEnabled val="1"/>
+        </dgm:presLayoutVars>
+      </dgm:prSet>
+      <dgm:spPr/>
+    </dgm:pt>
+    <dgm:pt modelId="{67D9EEDD-B551-4EC5-94F9-07362D2CB0DE}" type="pres">
+      <dgm:prSet presAssocID="{14112147-5E99-4D38-BFFF-A4E8F9D32AB4}" presName="childText" presStyleLbl="revTx" presStyleIdx="0" presStyleCnt="1">
+        <dgm:presLayoutVars>
+          <dgm:bulletEnabled val="1"/>
+        </dgm:presLayoutVars>
+      </dgm:prSet>
+      <dgm:spPr/>
+    </dgm:pt>
+  </dgm:ptLst>
+  <dgm:cxnLst>
+    <dgm:cxn modelId="{95C19C0A-87C7-4238-8052-00A377323D96}" srcId="{83AFC36B-7D08-4829-96B3-2C5551B3F28A}" destId="{14112147-5E99-4D38-BFFF-A4E8F9D32AB4}" srcOrd="0" destOrd="0" parTransId="{F3768182-34F7-402C-A712-BE9BEA80F467}" sibTransId="{EC8CD897-0121-4976-8E04-5FDAF126E44B}"/>
+    <dgm:cxn modelId="{23186D29-E978-4A7D-976C-A7695077794B}" type="presOf" srcId="{14112147-5E99-4D38-BFFF-A4E8F9D32AB4}" destId="{2045B6B8-45DF-4EEE-81B2-5C3B06E67208}" srcOrd="0" destOrd="0" presId="urn:microsoft.com/office/officeart/2005/8/layout/vList2"/>
+    <dgm:cxn modelId="{5CB6E958-DA26-4BAB-BC6F-E3875AC6C366}" type="presOf" srcId="{B55EBC84-2488-41AA-AF68-38BF4FC1FE46}" destId="{67D9EEDD-B551-4EC5-94F9-07362D2CB0DE}" srcOrd="0" destOrd="0" presId="urn:microsoft.com/office/officeart/2005/8/layout/vList2"/>
+    <dgm:cxn modelId="{1F45C48C-B112-4440-BA02-DEDCB2CD8BA1}" srcId="{14112147-5E99-4D38-BFFF-A4E8F9D32AB4}" destId="{B55EBC84-2488-41AA-AF68-38BF4FC1FE46}" srcOrd="0" destOrd="0" parTransId="{71C5B05E-A9B1-4394-A8F6-016758BEFACF}" sibTransId="{50EBAEE4-336C-4E95-8205-063D39853E95}"/>
+    <dgm:cxn modelId="{D136A3C2-8DCF-4541-AF05-FE2360B2206E}" type="presOf" srcId="{83AFC36B-7D08-4829-96B3-2C5551B3F28A}" destId="{FF57FDFD-13E4-483C-9DDE-C515A1F795E3}" srcOrd="0" destOrd="0" presId="urn:microsoft.com/office/officeart/2005/8/layout/vList2"/>
+    <dgm:cxn modelId="{44C5C326-1BAA-4CBA-9A78-2F89E2DE130A}" type="presParOf" srcId="{FF57FDFD-13E4-483C-9DDE-C515A1F795E3}" destId="{2045B6B8-45DF-4EEE-81B2-5C3B06E67208}" srcOrd="0" destOrd="0" presId="urn:microsoft.com/office/officeart/2005/8/layout/vList2"/>
+    <dgm:cxn modelId="{60F340E9-DAFF-4085-AE11-D48EA1098A26}" type="presParOf" srcId="{FF57FDFD-13E4-483C-9DDE-C515A1F795E3}" destId="{67D9EEDD-B551-4EC5-94F9-07362D2CB0DE}" srcOrd="1" destOrd="0" presId="urn:microsoft.com/office/officeart/2005/8/layout/vList2"/>
+  </dgm:cxnLst>
+  <dgm:bg/>
+  <dgm:whole/>
+  <dgm:extLst>
+    <a:ext uri="http://schemas.microsoft.com/office/drawing/2008/diagram">
+      <dsp:dataModelExt xmlns:dsp="http://schemas.microsoft.com/office/drawing/2008/diagram" relId="rId11" minVer="http://schemas.openxmlformats.org/drawingml/2006/diagram"/>
+    </a:ext>
+  </dgm:extLst>
+</dgm:dataModel>
+</file>
+
+<file path=ppt/diagrams/data3.xml><?xml version="1.0" encoding="utf-8"?>
+<dgm:dataModel xmlns:dgm="http://schemas.openxmlformats.org/drawingml/2006/diagram" xmlns:a="http://schemas.openxmlformats.org/drawingml/2006/main">
+  <dgm:ptLst>
     <dgm:pt modelId="{3FEB4200-67D9-4552-9DF5-6055ECEE49CE}" type="doc">
       <dgm:prSet loTypeId="urn:microsoft.com/office/officeart/2005/8/layout/lProcess3" loCatId="process" qsTypeId="urn:microsoft.com/office/officeart/2005/8/quickstyle/simple1" qsCatId="simple" csTypeId="urn:microsoft.com/office/officeart/2005/8/colors/accent1_2" csCatId="accent1" phldr="1"/>
       <dgm:spPr/>
@@ -2759,6 +3638,156 @@
       <dsp:cNvGrpSpPr/>
     </dsp:nvGrpSpPr>
     <dsp:grpSpPr/>
+    <dsp:sp modelId="{2045B6B8-45DF-4EEE-81B2-5C3B06E67208}">
+      <dsp:nvSpPr>
+        <dsp:cNvPr id="0" name=""/>
+        <dsp:cNvSpPr/>
+      </dsp:nvSpPr>
+      <dsp:spPr>
+        <a:xfrm>
+          <a:off x="0" y="9430"/>
+          <a:ext cx="1850231" cy="280799"/>
+        </a:xfrm>
+        <a:prstGeom prst="roundRect">
+          <a:avLst/>
+        </a:prstGeom>
+        <a:solidFill>
+          <a:schemeClr val="accent1">
+            <a:hueOff val="0"/>
+            <a:satOff val="0"/>
+            <a:lumOff val="0"/>
+            <a:alphaOff val="0"/>
+          </a:schemeClr>
+        </a:solidFill>
+        <a:ln w="25400" cap="flat" cmpd="sng" algn="ctr">
+          <a:solidFill>
+            <a:schemeClr val="lt1">
+              <a:hueOff val="0"/>
+              <a:satOff val="0"/>
+              <a:lumOff val="0"/>
+              <a:alphaOff val="0"/>
+            </a:schemeClr>
+          </a:solidFill>
+          <a:prstDash val="solid"/>
+          <a:miter/>
+        </a:ln>
+        <a:effectLst/>
+      </dsp:spPr>
+      <dsp:style>
+        <a:lnRef idx="2">
+          <a:scrgbClr r="0" g="0" b="0"/>
+        </a:lnRef>
+        <a:fillRef idx="1">
+          <a:scrgbClr r="0" g="0" b="0"/>
+        </a:fillRef>
+        <a:effectRef idx="0">
+          <a:scrgbClr r="0" g="0" b="0"/>
+        </a:effectRef>
+        <a:fontRef idx="minor">
+          <a:schemeClr val="lt1"/>
+        </a:fontRef>
+      </dsp:style>
+      <dsp:txBody>
+        <a:bodyPr spcFirstLastPara="0" vert="horz" wrap="square" lIns="45720" tIns="45720" rIns="45720" bIns="45720" numCol="1" spcCol="1270" anchor="ctr" anchorCtr="0">
+          <a:noAutofit/>
+        </a:bodyPr>
+        <a:lstStyle/>
+        <a:p>
+          <a:pPr marL="0" lvl="0" indent="0" algn="l" defTabSz="533400">
+            <a:lnSpc>
+              <a:spcPct val="90000"/>
+            </a:lnSpc>
+            <a:spcBef>
+              <a:spcPct val="0"/>
+            </a:spcBef>
+            <a:spcAft>
+              <a:spcPct val="35000"/>
+            </a:spcAft>
+            <a:buNone/>
+          </a:pPr>
+          <a:r>
+            <a:rPr lang="en-US" sz="1200" kern="1200"/>
+            <a:t>Line Of Code </a:t>
+          </a:r>
+        </a:p>
+      </dsp:txBody>
+      <dsp:txXfrm>
+        <a:off x="13707" y="23137"/>
+        <a:ext cx="1822817" cy="253385"/>
+      </dsp:txXfrm>
+    </dsp:sp>
+    <dsp:sp modelId="{67D9EEDD-B551-4EC5-94F9-07362D2CB0DE}">
+      <dsp:nvSpPr>
+        <dsp:cNvPr id="0" name=""/>
+        <dsp:cNvSpPr/>
+      </dsp:nvSpPr>
+      <dsp:spPr>
+        <a:xfrm>
+          <a:off x="0" y="290229"/>
+          <a:ext cx="1850231" cy="223560"/>
+        </a:xfrm>
+        <a:prstGeom prst="rect">
+          <a:avLst/>
+        </a:prstGeom>
+        <a:noFill/>
+        <a:ln>
+          <a:noFill/>
+        </a:ln>
+        <a:effectLst/>
+      </dsp:spPr>
+      <dsp:style>
+        <a:lnRef idx="0">
+          <a:scrgbClr r="0" g="0" b="0"/>
+        </a:lnRef>
+        <a:fillRef idx="0">
+          <a:scrgbClr r="0" g="0" b="0"/>
+        </a:fillRef>
+        <a:effectRef idx="0">
+          <a:scrgbClr r="0" g="0" b="0"/>
+        </a:effectRef>
+        <a:fontRef idx="minor"/>
+      </dsp:style>
+      <dsp:txBody>
+        <a:bodyPr spcFirstLastPara="0" vert="horz" wrap="square" lIns="58745" tIns="17780" rIns="99568" bIns="17780" numCol="1" spcCol="1270" anchor="t" anchorCtr="0">
+          <a:noAutofit/>
+        </a:bodyPr>
+        <a:lstStyle/>
+        <a:p>
+          <a:pPr marL="114300" lvl="1" indent="-114300" algn="l" defTabSz="622300">
+            <a:lnSpc>
+              <a:spcPct val="90000"/>
+            </a:lnSpc>
+            <a:spcBef>
+              <a:spcPct val="0"/>
+            </a:spcBef>
+            <a:spcAft>
+              <a:spcPct val="20000"/>
+            </a:spcAft>
+            <a:buChar char="•"/>
+          </a:pPr>
+          <a:r>
+            <a:rPr lang="en-US" sz="1400" kern="1200"/>
+            <a:t>1085</a:t>
+          </a:r>
+        </a:p>
+      </dsp:txBody>
+      <dsp:txXfrm>
+        <a:off x="0" y="290229"/>
+        <a:ext cx="1850231" cy="223560"/>
+      </dsp:txXfrm>
+    </dsp:sp>
+  </dsp:spTree>
+</dsp:drawing>
+</file>
+
+<file path=ppt/diagrams/drawing3.xml><?xml version="1.0" encoding="utf-8"?>
+<dsp:drawing xmlns:dgm="http://schemas.openxmlformats.org/drawingml/2006/diagram" xmlns:dsp="http://schemas.microsoft.com/office/drawing/2008/diagram" xmlns:a="http://schemas.openxmlformats.org/drawingml/2006/main">
+  <dsp:spTree>
+    <dsp:nvGrpSpPr>
+      <dsp:cNvPr id="0" name=""/>
+      <dsp:cNvGrpSpPr/>
+    </dsp:nvGrpSpPr>
+    <dsp:grpSpPr/>
     <dsp:sp modelId="{FD7A31AF-A271-40EE-A02D-7F71ED5E65AD}">
       <dsp:nvSpPr>
         <dsp:cNvPr id="0" name=""/>
@@ -3059,6 +4088,173 @@
 </file>
 
 <file path=ppt/diagrams/layout2.xml><?xml version="1.0" encoding="utf-8"?>
+<dgm:layoutDef xmlns:dgm="http://schemas.openxmlformats.org/drawingml/2006/diagram" xmlns:a="http://schemas.openxmlformats.org/drawingml/2006/main" uniqueId="urn:microsoft.com/office/officeart/2005/8/layout/vList2">
+  <dgm:title val=""/>
+  <dgm:desc val=""/>
+  <dgm:catLst>
+    <dgm:cat type="list" pri="3000"/>
+    <dgm:cat type="convert" pri="1000"/>
+  </dgm:catLst>
+  <dgm:sampData>
+    <dgm:dataModel>
+      <dgm:ptLst>
+        <dgm:pt modelId="0" type="doc"/>
+        <dgm:pt modelId="1">
+          <dgm:prSet phldr="1"/>
+        </dgm:pt>
+        <dgm:pt modelId="11">
+          <dgm:prSet phldr="1"/>
+        </dgm:pt>
+        <dgm:pt modelId="2">
+          <dgm:prSet phldr="1"/>
+        </dgm:pt>
+        <dgm:pt modelId="21">
+          <dgm:prSet phldr="1"/>
+        </dgm:pt>
+      </dgm:ptLst>
+      <dgm:cxnLst>
+        <dgm:cxn modelId="4" srcId="0" destId="1" srcOrd="0" destOrd="0"/>
+        <dgm:cxn modelId="5" srcId="0" destId="2" srcOrd="1" destOrd="0"/>
+        <dgm:cxn modelId="12" srcId="1" destId="11" srcOrd="0" destOrd="0"/>
+        <dgm:cxn modelId="23" srcId="2" destId="21" srcOrd="0" destOrd="0"/>
+      </dgm:cxnLst>
+      <dgm:bg/>
+      <dgm:whole/>
+    </dgm:dataModel>
+  </dgm:sampData>
+  <dgm:styleData>
+    <dgm:dataModel>
+      <dgm:ptLst>
+        <dgm:pt modelId="0" type="doc"/>
+        <dgm:pt modelId="1"/>
+        <dgm:pt modelId="2"/>
+      </dgm:ptLst>
+      <dgm:cxnLst>
+        <dgm:cxn modelId="3" srcId="0" destId="1" srcOrd="0" destOrd="0"/>
+        <dgm:cxn modelId="4" srcId="0" destId="2" srcOrd="1" destOrd="0"/>
+      </dgm:cxnLst>
+      <dgm:bg/>
+      <dgm:whole/>
+    </dgm:dataModel>
+  </dgm:styleData>
+  <dgm:clrData>
+    <dgm:dataModel>
+      <dgm:ptLst>
+        <dgm:pt modelId="0" type="doc"/>
+        <dgm:pt modelId="1"/>
+        <dgm:pt modelId="2"/>
+        <dgm:pt modelId="3"/>
+        <dgm:pt modelId="4"/>
+      </dgm:ptLst>
+      <dgm:cxnLst>
+        <dgm:cxn modelId="5" srcId="0" destId="1" srcOrd="0" destOrd="0"/>
+        <dgm:cxn modelId="6" srcId="0" destId="2" srcOrd="1" destOrd="0"/>
+        <dgm:cxn modelId="7" srcId="0" destId="3" srcOrd="2" destOrd="0"/>
+        <dgm:cxn modelId="8" srcId="0" destId="4" srcOrd="3" destOrd="0"/>
+      </dgm:cxnLst>
+      <dgm:bg/>
+      <dgm:whole/>
+    </dgm:dataModel>
+  </dgm:clrData>
+  <dgm:layoutNode name="linear">
+    <dgm:varLst>
+      <dgm:animLvl val="lvl"/>
+      <dgm:resizeHandles val="exact"/>
+    </dgm:varLst>
+    <dgm:alg type="lin">
+      <dgm:param type="linDir" val="fromT"/>
+      <dgm:param type="vertAlign" val="mid"/>
+    </dgm:alg>
+    <dgm:shape xmlns:r="http://schemas.openxmlformats.org/officeDocument/2006/relationships" r:blip="">
+      <dgm:adjLst/>
+    </dgm:shape>
+    <dgm:presOf/>
+    <dgm:constrLst>
+      <dgm:constr type="w" for="ch" forName="parentText" refType="w"/>
+      <dgm:constr type="h" for="ch" forName="parentText" refType="primFontSz" refFor="ch" refForName="parentText" fact="0.52"/>
+      <dgm:constr type="w" for="ch" forName="childText" refType="w"/>
+      <dgm:constr type="h" for="ch" forName="childText" refType="primFontSz" refFor="ch" refForName="parentText" fact="0.46"/>
+      <dgm:constr type="h" for="ch" forName="parentText" op="equ"/>
+      <dgm:constr type="primFontSz" for="ch" forName="parentText" op="equ" val="65"/>
+      <dgm:constr type="primFontSz" for="ch" forName="childText" refType="primFontSz" refFor="ch" refForName="parentText" op="equ"/>
+      <dgm:constr type="h" for="ch" forName="spacer" refType="primFontSz" refFor="ch" refForName="parentText" fact="0.08"/>
+    </dgm:constrLst>
+    <dgm:ruleLst>
+      <dgm:rule type="primFontSz" for="ch" forName="parentText" val="5" fact="NaN" max="NaN"/>
+    </dgm:ruleLst>
+    <dgm:forEach name="Name0" axis="ch" ptType="node">
+      <dgm:layoutNode name="parentText" styleLbl="node1">
+        <dgm:varLst>
+          <dgm:chMax val="0"/>
+          <dgm:bulletEnabled val="1"/>
+        </dgm:varLst>
+        <dgm:alg type="tx">
+          <dgm:param type="parTxLTRAlign" val="l"/>
+          <dgm:param type="parTxRTLAlign" val="r"/>
+        </dgm:alg>
+        <dgm:shape xmlns:r="http://schemas.openxmlformats.org/officeDocument/2006/relationships" type="roundRect" r:blip="">
+          <dgm:adjLst/>
+        </dgm:shape>
+        <dgm:presOf axis="self"/>
+        <dgm:constrLst>
+          <dgm:constr type="tMarg" refType="primFontSz" fact="0.3"/>
+          <dgm:constr type="bMarg" refType="primFontSz" fact="0.3"/>
+          <dgm:constr type="lMarg" refType="primFontSz" fact="0.3"/>
+          <dgm:constr type="rMarg" refType="primFontSz" fact="0.3"/>
+        </dgm:constrLst>
+        <dgm:ruleLst>
+          <dgm:rule type="h" val="INF" fact="NaN" max="NaN"/>
+        </dgm:ruleLst>
+      </dgm:layoutNode>
+      <dgm:choose name="Name1">
+        <dgm:if name="Name2" axis="ch" ptType="node" func="cnt" op="gte" val="1">
+          <dgm:layoutNode name="childText" styleLbl="revTx">
+            <dgm:varLst>
+              <dgm:bulletEnabled val="1"/>
+            </dgm:varLst>
+            <dgm:alg type="tx">
+              <dgm:param type="stBulletLvl" val="1"/>
+              <dgm:param type="lnSpAfChP" val="20"/>
+            </dgm:alg>
+            <dgm:shape xmlns:r="http://schemas.openxmlformats.org/officeDocument/2006/relationships" type="rect" r:blip="">
+              <dgm:adjLst/>
+            </dgm:shape>
+            <dgm:presOf axis="des" ptType="node"/>
+            <dgm:constrLst>
+              <dgm:constr type="tMarg" refType="primFontSz" fact="0.1"/>
+              <dgm:constr type="bMarg" refType="primFontSz" fact="0.1"/>
+              <dgm:constr type="lMarg" refType="w" fact="0.09"/>
+            </dgm:constrLst>
+            <dgm:ruleLst>
+              <dgm:rule type="h" val="INF" fact="NaN" max="NaN"/>
+            </dgm:ruleLst>
+          </dgm:layoutNode>
+        </dgm:if>
+        <dgm:else name="Name3">
+          <dgm:choose name="Name4">
+            <dgm:if name="Name5" axis="par ch" ptType="doc node" func="cnt" op="gte" val="2">
+              <dgm:forEach name="Name6" axis="followSib" ptType="sibTrans" cnt="1">
+                <dgm:layoutNode name="spacer">
+                  <dgm:alg type="sp"/>
+                  <dgm:shape xmlns:r="http://schemas.openxmlformats.org/officeDocument/2006/relationships" r:blip="">
+                    <dgm:adjLst/>
+                  </dgm:shape>
+                  <dgm:presOf/>
+                  <dgm:constrLst/>
+                  <dgm:ruleLst/>
+                </dgm:layoutNode>
+              </dgm:forEach>
+            </dgm:if>
+            <dgm:else name="Name7"/>
+          </dgm:choose>
+        </dgm:else>
+      </dgm:choose>
+    </dgm:forEach>
+  </dgm:layoutNode>
+</dgm:layoutDef>
+</file>
+
+<file path=ppt/diagrams/layout3.xml><?xml version="1.0" encoding="utf-8"?>
 <dgm:layoutDef xmlns:dgm="http://schemas.openxmlformats.org/drawingml/2006/diagram" xmlns:a="http://schemas.openxmlformats.org/drawingml/2006/main" uniqueId="urn:microsoft.com/office/officeart/2005/8/layout/lProcess3">
   <dgm:title val=""/>
   <dgm:desc val=""/>
@@ -4374,6 +5570,1040 @@
 </file>
 
 <file path=ppt/diagrams/quickStyle2.xml><?xml version="1.0" encoding="utf-8"?>
+<dgm:styleDef xmlns:dgm="http://schemas.openxmlformats.org/drawingml/2006/diagram" xmlns:a="http://schemas.openxmlformats.org/drawingml/2006/main" uniqueId="urn:microsoft.com/office/officeart/2005/8/quickstyle/simple1">
+  <dgm:title val=""/>
+  <dgm:desc val=""/>
+  <dgm:catLst>
+    <dgm:cat type="simple" pri="10100"/>
+  </dgm:catLst>
+  <dgm:scene3d>
+    <a:camera prst="orthographicFront"/>
+    <a:lightRig rig="threePt" dir="t"/>
+  </dgm:scene3d>
+  <dgm:styleLbl name="node0">
+    <dgm:scene3d>
+      <a:camera prst="orthographicFront"/>
+      <a:lightRig rig="threePt" dir="t"/>
+    </dgm:scene3d>
+    <dgm:sp3d/>
+    <dgm:txPr/>
+    <dgm:style>
+      <a:lnRef idx="2">
+        <a:scrgbClr r="0" g="0" b="0"/>
+      </a:lnRef>
+      <a:fillRef idx="1">
+        <a:scrgbClr r="0" g="0" b="0"/>
+      </a:fillRef>
+      <a:effectRef idx="0">
+        <a:scrgbClr r="0" g="0" b="0"/>
+      </a:effectRef>
+      <a:fontRef idx="minor">
+        <a:schemeClr val="lt1"/>
+      </a:fontRef>
+    </dgm:style>
+  </dgm:styleLbl>
+  <dgm:styleLbl name="lnNode1">
+    <dgm:scene3d>
+      <a:camera prst="orthographicFront"/>
+      <a:lightRig rig="threePt" dir="t"/>
+    </dgm:scene3d>
+    <dgm:sp3d/>
+    <dgm:txPr/>
+    <dgm:style>
+      <a:lnRef idx="2">
+        <a:scrgbClr r="0" g="0" b="0"/>
+      </a:lnRef>
+      <a:fillRef idx="1">
+        <a:scrgbClr r="0" g="0" b="0"/>
+      </a:fillRef>
+      <a:effectRef idx="0">
+        <a:scrgbClr r="0" g="0" b="0"/>
+      </a:effectRef>
+      <a:fontRef idx="minor">
+        <a:schemeClr val="lt1"/>
+      </a:fontRef>
+    </dgm:style>
+  </dgm:styleLbl>
+  <dgm:styleLbl name="vennNode1">
+    <dgm:scene3d>
+      <a:camera prst="orthographicFront"/>
+      <a:lightRig rig="threePt" dir="t"/>
+    </dgm:scene3d>
+    <dgm:sp3d/>
+    <dgm:txPr/>
+    <dgm:style>
+      <a:lnRef idx="2">
+        <a:scrgbClr r="0" g="0" b="0"/>
+      </a:lnRef>
+      <a:fillRef idx="1">
+        <a:scrgbClr r="0" g="0" b="0"/>
+      </a:fillRef>
+      <a:effectRef idx="0">
+        <a:scrgbClr r="0" g="0" b="0"/>
+      </a:effectRef>
+      <a:fontRef idx="minor">
+        <a:schemeClr val="tx1"/>
+      </a:fontRef>
+    </dgm:style>
+  </dgm:styleLbl>
+  <dgm:styleLbl name="alignNode1">
+    <dgm:scene3d>
+      <a:camera prst="orthographicFront"/>
+      <a:lightRig rig="threePt" dir="t"/>
+    </dgm:scene3d>
+    <dgm:sp3d/>
+    <dgm:txPr/>
+    <dgm:style>
+      <a:lnRef idx="2">
+        <a:scrgbClr r="0" g="0" b="0"/>
+      </a:lnRef>
+      <a:fillRef idx="1">
+        <a:scrgbClr r="0" g="0" b="0"/>
+      </a:fillRef>
+      <a:effectRef idx="0">
+        <a:scrgbClr r="0" g="0" b="0"/>
+      </a:effectRef>
+      <a:fontRef idx="minor">
+        <a:schemeClr val="lt1"/>
+      </a:fontRef>
+    </dgm:style>
+  </dgm:styleLbl>
+  <dgm:styleLbl name="node1">
+    <dgm:scene3d>
+      <a:camera prst="orthographicFront"/>
+      <a:lightRig rig="threePt" dir="t"/>
+    </dgm:scene3d>
+    <dgm:sp3d/>
+    <dgm:txPr/>
+    <dgm:style>
+      <a:lnRef idx="2">
+        <a:scrgbClr r="0" g="0" b="0"/>
+      </a:lnRef>
+      <a:fillRef idx="1">
+        <a:scrgbClr r="0" g="0" b="0"/>
+      </a:fillRef>
+      <a:effectRef idx="0">
+        <a:scrgbClr r="0" g="0" b="0"/>
+      </a:effectRef>
+      <a:fontRef idx="minor">
+        <a:schemeClr val="lt1"/>
+      </a:fontRef>
+    </dgm:style>
+  </dgm:styleLbl>
+  <dgm:styleLbl name="node2">
+    <dgm:scene3d>
+      <a:camera prst="orthographicFront"/>
+      <a:lightRig rig="threePt" dir="t"/>
+    </dgm:scene3d>
+    <dgm:sp3d/>
+    <dgm:txPr/>
+    <dgm:style>
+      <a:lnRef idx="2">
+        <a:scrgbClr r="0" g="0" b="0"/>
+      </a:lnRef>
+      <a:fillRef idx="1">
+        <a:scrgbClr r="0" g="0" b="0"/>
+      </a:fillRef>
+      <a:effectRef idx="0">
+        <a:scrgbClr r="0" g="0" b="0"/>
+      </a:effectRef>
+      <a:fontRef idx="minor">
+        <a:schemeClr val="lt1"/>
+      </a:fontRef>
+    </dgm:style>
+  </dgm:styleLbl>
+  <dgm:styleLbl name="node3">
+    <dgm:scene3d>
+      <a:camera prst="orthographicFront"/>
+      <a:lightRig rig="threePt" dir="t"/>
+    </dgm:scene3d>
+    <dgm:sp3d/>
+    <dgm:txPr/>
+    <dgm:style>
+      <a:lnRef idx="2">
+        <a:scrgbClr r="0" g="0" b="0"/>
+      </a:lnRef>
+      <a:fillRef idx="1">
+        <a:scrgbClr r="0" g="0" b="0"/>
+      </a:fillRef>
+      <a:effectRef idx="0">
+        <a:scrgbClr r="0" g="0" b="0"/>
+      </a:effectRef>
+      <a:fontRef idx="minor">
+        <a:schemeClr val="lt1"/>
+      </a:fontRef>
+    </dgm:style>
+  </dgm:styleLbl>
+  <dgm:styleLbl name="node4">
+    <dgm:scene3d>
+      <a:camera prst="orthographicFront"/>
+      <a:lightRig rig="threePt" dir="t"/>
+    </dgm:scene3d>
+    <dgm:sp3d/>
+    <dgm:txPr/>
+    <dgm:style>
+      <a:lnRef idx="2">
+        <a:scrgbClr r="0" g="0" b="0"/>
+      </a:lnRef>
+      <a:fillRef idx="1">
+        <a:scrgbClr r="0" g="0" b="0"/>
+      </a:fillRef>
+      <a:effectRef idx="0">
+        <a:scrgbClr r="0" g="0" b="0"/>
+      </a:effectRef>
+      <a:fontRef idx="minor">
+        <a:schemeClr val="lt1"/>
+      </a:fontRef>
+    </dgm:style>
+  </dgm:styleLbl>
+  <dgm:styleLbl name="fgImgPlace1">
+    <dgm:scene3d>
+      <a:camera prst="orthographicFront"/>
+      <a:lightRig rig="threePt" dir="t"/>
+    </dgm:scene3d>
+    <dgm:sp3d/>
+    <dgm:txPr/>
+    <dgm:style>
+      <a:lnRef idx="2">
+        <a:scrgbClr r="0" g="0" b="0"/>
+      </a:lnRef>
+      <a:fillRef idx="1">
+        <a:scrgbClr r="0" g="0" b="0"/>
+      </a:fillRef>
+      <a:effectRef idx="0">
+        <a:scrgbClr r="0" g="0" b="0"/>
+      </a:effectRef>
+      <a:fontRef idx="minor"/>
+    </dgm:style>
+  </dgm:styleLbl>
+  <dgm:styleLbl name="alignImgPlace1">
+    <dgm:scene3d>
+      <a:camera prst="orthographicFront"/>
+      <a:lightRig rig="threePt" dir="t"/>
+    </dgm:scene3d>
+    <dgm:sp3d/>
+    <dgm:txPr/>
+    <dgm:style>
+      <a:lnRef idx="2">
+        <a:scrgbClr r="0" g="0" b="0"/>
+      </a:lnRef>
+      <a:fillRef idx="1">
+        <a:scrgbClr r="0" g="0" b="0"/>
+      </a:fillRef>
+      <a:effectRef idx="0">
+        <a:scrgbClr r="0" g="0" b="0"/>
+      </a:effectRef>
+      <a:fontRef idx="minor"/>
+    </dgm:style>
+  </dgm:styleLbl>
+  <dgm:styleLbl name="bgImgPlace1">
+    <dgm:scene3d>
+      <a:camera prst="orthographicFront"/>
+      <a:lightRig rig="threePt" dir="t"/>
+    </dgm:scene3d>
+    <dgm:sp3d/>
+    <dgm:txPr/>
+    <dgm:style>
+      <a:lnRef idx="2">
+        <a:scrgbClr r="0" g="0" b="0"/>
+      </a:lnRef>
+      <a:fillRef idx="1">
+        <a:scrgbClr r="0" g="0" b="0"/>
+      </a:fillRef>
+      <a:effectRef idx="0">
+        <a:scrgbClr r="0" g="0" b="0"/>
+      </a:effectRef>
+      <a:fontRef idx="minor"/>
+    </dgm:style>
+  </dgm:styleLbl>
+  <dgm:styleLbl name="sibTrans2D1">
+    <dgm:scene3d>
+      <a:camera prst="orthographicFront"/>
+      <a:lightRig rig="threePt" dir="t"/>
+    </dgm:scene3d>
+    <dgm:sp3d/>
+    <dgm:txPr/>
+    <dgm:style>
+      <a:lnRef idx="0">
+        <a:scrgbClr r="0" g="0" b="0"/>
+      </a:lnRef>
+      <a:fillRef idx="1">
+        <a:scrgbClr r="0" g="0" b="0"/>
+      </a:fillRef>
+      <a:effectRef idx="0">
+        <a:scrgbClr r="0" g="0" b="0"/>
+      </a:effectRef>
+      <a:fontRef idx="minor">
+        <a:schemeClr val="lt1"/>
+      </a:fontRef>
+    </dgm:style>
+  </dgm:styleLbl>
+  <dgm:styleLbl name="fgSibTrans2D1">
+    <dgm:scene3d>
+      <a:camera prst="orthographicFront"/>
+      <a:lightRig rig="threePt" dir="t"/>
+    </dgm:scene3d>
+    <dgm:sp3d/>
+    <dgm:txPr/>
+    <dgm:style>
+      <a:lnRef idx="0">
+        <a:scrgbClr r="0" g="0" b="0"/>
+      </a:lnRef>
+      <a:fillRef idx="1">
+        <a:scrgbClr r="0" g="0" b="0"/>
+      </a:fillRef>
+      <a:effectRef idx="0">
+        <a:scrgbClr r="0" g="0" b="0"/>
+      </a:effectRef>
+      <a:fontRef idx="minor">
+        <a:schemeClr val="lt1"/>
+      </a:fontRef>
+    </dgm:style>
+  </dgm:styleLbl>
+  <dgm:styleLbl name="bgSibTrans2D1">
+    <dgm:scene3d>
+      <a:camera prst="orthographicFront"/>
+      <a:lightRig rig="threePt" dir="t"/>
+    </dgm:scene3d>
+    <dgm:sp3d/>
+    <dgm:txPr/>
+    <dgm:style>
+      <a:lnRef idx="0">
+        <a:scrgbClr r="0" g="0" b="0"/>
+      </a:lnRef>
+      <a:fillRef idx="1">
+        <a:scrgbClr r="0" g="0" b="0"/>
+      </a:fillRef>
+      <a:effectRef idx="0">
+        <a:scrgbClr r="0" g="0" b="0"/>
+      </a:effectRef>
+      <a:fontRef idx="minor">
+        <a:schemeClr val="lt1"/>
+      </a:fontRef>
+    </dgm:style>
+  </dgm:styleLbl>
+  <dgm:styleLbl name="sibTrans1D1">
+    <dgm:scene3d>
+      <a:camera prst="orthographicFront"/>
+      <a:lightRig rig="threePt" dir="t"/>
+    </dgm:scene3d>
+    <dgm:sp3d/>
+    <dgm:txPr/>
+    <dgm:style>
+      <a:lnRef idx="1">
+        <a:scrgbClr r="0" g="0" b="0"/>
+      </a:lnRef>
+      <a:fillRef idx="0">
+        <a:scrgbClr r="0" g="0" b="0"/>
+      </a:fillRef>
+      <a:effectRef idx="0">
+        <a:scrgbClr r="0" g="0" b="0"/>
+      </a:effectRef>
+      <a:fontRef idx="minor"/>
+    </dgm:style>
+  </dgm:styleLbl>
+  <dgm:styleLbl name="callout">
+    <dgm:scene3d>
+      <a:camera prst="orthographicFront"/>
+      <a:lightRig rig="threePt" dir="t"/>
+    </dgm:scene3d>
+    <dgm:sp3d/>
+    <dgm:txPr/>
+    <dgm:style>
+      <a:lnRef idx="2">
+        <a:scrgbClr r="0" g="0" b="0"/>
+      </a:lnRef>
+      <a:fillRef idx="1">
+        <a:scrgbClr r="0" g="0" b="0"/>
+      </a:fillRef>
+      <a:effectRef idx="0">
+        <a:scrgbClr r="0" g="0" b="0"/>
+      </a:effectRef>
+      <a:fontRef idx="minor"/>
+    </dgm:style>
+  </dgm:styleLbl>
+  <dgm:styleLbl name="asst0">
+    <dgm:scene3d>
+      <a:camera prst="orthographicFront"/>
+      <a:lightRig rig="threePt" dir="t"/>
+    </dgm:scene3d>
+    <dgm:sp3d/>
+    <dgm:txPr/>
+    <dgm:style>
+      <a:lnRef idx="2">
+        <a:scrgbClr r="0" g="0" b="0"/>
+      </a:lnRef>
+      <a:fillRef idx="1">
+        <a:scrgbClr r="0" g="0" b="0"/>
+      </a:fillRef>
+      <a:effectRef idx="0">
+        <a:scrgbClr r="0" g="0" b="0"/>
+      </a:effectRef>
+      <a:fontRef idx="minor">
+        <a:schemeClr val="lt1"/>
+      </a:fontRef>
+    </dgm:style>
+  </dgm:styleLbl>
+  <dgm:styleLbl name="asst1">
+    <dgm:scene3d>
+      <a:camera prst="orthographicFront"/>
+      <a:lightRig rig="threePt" dir="t"/>
+    </dgm:scene3d>
+    <dgm:sp3d/>
+    <dgm:txPr/>
+    <dgm:style>
+      <a:lnRef idx="2">
+        <a:scrgbClr r="0" g="0" b="0"/>
+      </a:lnRef>
+      <a:fillRef idx="1">
+        <a:scrgbClr r="0" g="0" b="0"/>
+      </a:fillRef>
+      <a:effectRef idx="0">
+        <a:scrgbClr r="0" g="0" b="0"/>
+      </a:effectRef>
+      <a:fontRef idx="minor">
+        <a:schemeClr val="lt1"/>
+      </a:fontRef>
+    </dgm:style>
+  </dgm:styleLbl>
+  <dgm:styleLbl name="asst2">
+    <dgm:scene3d>
+      <a:camera prst="orthographicFront"/>
+      <a:lightRig rig="threePt" dir="t"/>
+    </dgm:scene3d>
+    <dgm:sp3d/>
+    <dgm:txPr/>
+    <dgm:style>
+      <a:lnRef idx="2">
+        <a:scrgbClr r="0" g="0" b="0"/>
+      </a:lnRef>
+      <a:fillRef idx="1">
+        <a:scrgbClr r="0" g="0" b="0"/>
+      </a:fillRef>
+      <a:effectRef idx="0">
+        <a:scrgbClr r="0" g="0" b="0"/>
+      </a:effectRef>
+      <a:fontRef idx="minor">
+        <a:schemeClr val="lt1"/>
+      </a:fontRef>
+    </dgm:style>
+  </dgm:styleLbl>
+  <dgm:styleLbl name="asst3">
+    <dgm:scene3d>
+      <a:camera prst="orthographicFront"/>
+      <a:lightRig rig="threePt" dir="t"/>
+    </dgm:scene3d>
+    <dgm:sp3d/>
+    <dgm:txPr/>
+    <dgm:style>
+      <a:lnRef idx="2">
+        <a:scrgbClr r="0" g="0" b="0"/>
+      </a:lnRef>
+      <a:fillRef idx="1">
+        <a:scrgbClr r="0" g="0" b="0"/>
+      </a:fillRef>
+      <a:effectRef idx="0">
+        <a:scrgbClr r="0" g="0" b="0"/>
+      </a:effectRef>
+      <a:fontRef idx="minor">
+        <a:schemeClr val="lt1"/>
+      </a:fontRef>
+    </dgm:style>
+  </dgm:styleLbl>
+  <dgm:styleLbl name="asst4">
+    <dgm:scene3d>
+      <a:camera prst="orthographicFront"/>
+      <a:lightRig rig="threePt" dir="t"/>
+    </dgm:scene3d>
+    <dgm:sp3d/>
+    <dgm:txPr/>
+    <dgm:style>
+      <a:lnRef idx="2">
+        <a:scrgbClr r="0" g="0" b="0"/>
+      </a:lnRef>
+      <a:fillRef idx="1">
+        <a:scrgbClr r="0" g="0" b="0"/>
+      </a:fillRef>
+      <a:effectRef idx="0">
+        <a:scrgbClr r="0" g="0" b="0"/>
+      </a:effectRef>
+      <a:fontRef idx="minor">
+        <a:schemeClr val="lt1"/>
+      </a:fontRef>
+    </dgm:style>
+  </dgm:styleLbl>
+  <dgm:styleLbl name="parChTrans2D1">
+    <dgm:scene3d>
+      <a:camera prst="orthographicFront"/>
+      <a:lightRig rig="threePt" dir="t"/>
+    </dgm:scene3d>
+    <dgm:sp3d/>
+    <dgm:txPr/>
+    <dgm:style>
+      <a:lnRef idx="2">
+        <a:scrgbClr r="0" g="0" b="0"/>
+      </a:lnRef>
+      <a:fillRef idx="1">
+        <a:scrgbClr r="0" g="0" b="0"/>
+      </a:fillRef>
+      <a:effectRef idx="0">
+        <a:scrgbClr r="0" g="0" b="0"/>
+      </a:effectRef>
+      <a:fontRef idx="minor">
+        <a:schemeClr val="lt1"/>
+      </a:fontRef>
+    </dgm:style>
+  </dgm:styleLbl>
+  <dgm:styleLbl name="parChTrans2D2">
+    <dgm:scene3d>
+      <a:camera prst="orthographicFront"/>
+      <a:lightRig rig="threePt" dir="t"/>
+    </dgm:scene3d>
+    <dgm:sp3d/>
+    <dgm:txPr/>
+    <dgm:style>
+      <a:lnRef idx="2">
+        <a:scrgbClr r="0" g="0" b="0"/>
+      </a:lnRef>
+      <a:fillRef idx="1">
+        <a:scrgbClr r="0" g="0" b="0"/>
+      </a:fillRef>
+      <a:effectRef idx="0">
+        <a:scrgbClr r="0" g="0" b="0"/>
+      </a:effectRef>
+      <a:fontRef idx="minor">
+        <a:schemeClr val="lt1"/>
+      </a:fontRef>
+    </dgm:style>
+  </dgm:styleLbl>
+  <dgm:styleLbl name="parChTrans2D3">
+    <dgm:scene3d>
+      <a:camera prst="orthographicFront"/>
+      <a:lightRig rig="threePt" dir="t"/>
+    </dgm:scene3d>
+    <dgm:sp3d/>
+    <dgm:txPr/>
+    <dgm:style>
+      <a:lnRef idx="2">
+        <a:scrgbClr r="0" g="0" b="0"/>
+      </a:lnRef>
+      <a:fillRef idx="1">
+        <a:scrgbClr r="0" g="0" b="0"/>
+      </a:fillRef>
+      <a:effectRef idx="0">
+        <a:scrgbClr r="0" g="0" b="0"/>
+      </a:effectRef>
+      <a:fontRef idx="minor">
+        <a:schemeClr val="lt1"/>
+      </a:fontRef>
+    </dgm:style>
+  </dgm:styleLbl>
+  <dgm:styleLbl name="parChTrans2D4">
+    <dgm:scene3d>
+      <a:camera prst="orthographicFront"/>
+      <a:lightRig rig="threePt" dir="t"/>
+    </dgm:scene3d>
+    <dgm:sp3d/>
+    <dgm:txPr/>
+    <dgm:style>
+      <a:lnRef idx="2">
+        <a:scrgbClr r="0" g="0" b="0"/>
+      </a:lnRef>
+      <a:fillRef idx="1">
+        <a:scrgbClr r="0" g="0" b="0"/>
+      </a:fillRef>
+      <a:effectRef idx="0">
+        <a:scrgbClr r="0" g="0" b="0"/>
+      </a:effectRef>
+      <a:fontRef idx="minor">
+        <a:schemeClr val="lt1"/>
+      </a:fontRef>
+    </dgm:style>
+  </dgm:styleLbl>
+  <dgm:styleLbl name="parChTrans1D1">
+    <dgm:scene3d>
+      <a:camera prst="orthographicFront"/>
+      <a:lightRig rig="threePt" dir="t"/>
+    </dgm:scene3d>
+    <dgm:sp3d/>
+    <dgm:txPr/>
+    <dgm:style>
+      <a:lnRef idx="2">
+        <a:scrgbClr r="0" g="0" b="0"/>
+      </a:lnRef>
+      <a:fillRef idx="0">
+        <a:scrgbClr r="0" g="0" b="0"/>
+      </a:fillRef>
+      <a:effectRef idx="0">
+        <a:scrgbClr r="0" g="0" b="0"/>
+      </a:effectRef>
+      <a:fontRef idx="minor"/>
+    </dgm:style>
+  </dgm:styleLbl>
+  <dgm:styleLbl name="parChTrans1D2">
+    <dgm:scene3d>
+      <a:camera prst="orthographicFront"/>
+      <a:lightRig rig="threePt" dir="t"/>
+    </dgm:scene3d>
+    <dgm:sp3d/>
+    <dgm:txPr/>
+    <dgm:style>
+      <a:lnRef idx="2">
+        <a:scrgbClr r="0" g="0" b="0"/>
+      </a:lnRef>
+      <a:fillRef idx="0">
+        <a:scrgbClr r="0" g="0" b="0"/>
+      </a:fillRef>
+      <a:effectRef idx="0">
+        <a:scrgbClr r="0" g="0" b="0"/>
+      </a:effectRef>
+      <a:fontRef idx="minor"/>
+    </dgm:style>
+  </dgm:styleLbl>
+  <dgm:styleLbl name="parChTrans1D3">
+    <dgm:scene3d>
+      <a:camera prst="orthographicFront"/>
+      <a:lightRig rig="threePt" dir="t"/>
+    </dgm:scene3d>
+    <dgm:sp3d/>
+    <dgm:txPr/>
+    <dgm:style>
+      <a:lnRef idx="2">
+        <a:scrgbClr r="0" g="0" b="0"/>
+      </a:lnRef>
+      <a:fillRef idx="0">
+        <a:scrgbClr r="0" g="0" b="0"/>
+      </a:fillRef>
+      <a:effectRef idx="0">
+        <a:scrgbClr r="0" g="0" b="0"/>
+      </a:effectRef>
+      <a:fontRef idx="minor"/>
+    </dgm:style>
+  </dgm:styleLbl>
+  <dgm:styleLbl name="parChTrans1D4">
+    <dgm:scene3d>
+      <a:camera prst="orthographicFront"/>
+      <a:lightRig rig="threePt" dir="t"/>
+    </dgm:scene3d>
+    <dgm:sp3d/>
+    <dgm:txPr/>
+    <dgm:style>
+      <a:lnRef idx="2">
+        <a:scrgbClr r="0" g="0" b="0"/>
+      </a:lnRef>
+      <a:fillRef idx="0">
+        <a:scrgbClr r="0" g="0" b="0"/>
+      </a:fillRef>
+      <a:effectRef idx="0">
+        <a:scrgbClr r="0" g="0" b="0"/>
+      </a:effectRef>
+      <a:fontRef idx="minor"/>
+    </dgm:style>
+  </dgm:styleLbl>
+  <dgm:styleLbl name="fgAcc1">
+    <dgm:scene3d>
+      <a:camera prst="orthographicFront"/>
+      <a:lightRig rig="threePt" dir="t"/>
+    </dgm:scene3d>
+    <dgm:sp3d/>
+    <dgm:txPr/>
+    <dgm:style>
+      <a:lnRef idx="2">
+        <a:scrgbClr r="0" g="0" b="0"/>
+      </a:lnRef>
+      <a:fillRef idx="1">
+        <a:scrgbClr r="0" g="0" b="0"/>
+      </a:fillRef>
+      <a:effectRef idx="0">
+        <a:scrgbClr r="0" g="0" b="0"/>
+      </a:effectRef>
+      <a:fontRef idx="minor"/>
+    </dgm:style>
+  </dgm:styleLbl>
+  <dgm:styleLbl name="conFgAcc1">
+    <dgm:scene3d>
+      <a:camera prst="orthographicFront"/>
+      <a:lightRig rig="threePt" dir="t"/>
+    </dgm:scene3d>
+    <dgm:sp3d/>
+    <dgm:txPr/>
+    <dgm:style>
+      <a:lnRef idx="2">
+        <a:scrgbClr r="0" g="0" b="0"/>
+      </a:lnRef>
+      <a:fillRef idx="1">
+        <a:scrgbClr r="0" g="0" b="0"/>
+      </a:fillRef>
+      <a:effectRef idx="0">
+        <a:scrgbClr r="0" g="0" b="0"/>
+      </a:effectRef>
+      <a:fontRef idx="minor"/>
+    </dgm:style>
+  </dgm:styleLbl>
+  <dgm:styleLbl name="alignAcc1">
+    <dgm:scene3d>
+      <a:camera prst="orthographicFront"/>
+      <a:lightRig rig="threePt" dir="t"/>
+    </dgm:scene3d>
+    <dgm:sp3d/>
+    <dgm:txPr/>
+    <dgm:style>
+      <a:lnRef idx="2">
+        <a:scrgbClr r="0" g="0" b="0"/>
+      </a:lnRef>
+      <a:fillRef idx="1">
+        <a:scrgbClr r="0" g="0" b="0"/>
+      </a:fillRef>
+      <a:effectRef idx="0">
+        <a:scrgbClr r="0" g="0" b="0"/>
+      </a:effectRef>
+      <a:fontRef idx="minor"/>
+    </dgm:style>
+  </dgm:styleLbl>
+  <dgm:styleLbl name="trAlignAcc1">
+    <dgm:scene3d>
+      <a:camera prst="orthographicFront"/>
+      <a:lightRig rig="threePt" dir="t"/>
+    </dgm:scene3d>
+    <dgm:sp3d/>
+    <dgm:txPr/>
+    <dgm:style>
+      <a:lnRef idx="1">
+        <a:scrgbClr r="0" g="0" b="0"/>
+      </a:lnRef>
+      <a:fillRef idx="1">
+        <a:scrgbClr r="0" g="0" b="0"/>
+      </a:fillRef>
+      <a:effectRef idx="0">
+        <a:scrgbClr r="0" g="0" b="0"/>
+      </a:effectRef>
+      <a:fontRef idx="minor"/>
+    </dgm:style>
+  </dgm:styleLbl>
+  <dgm:styleLbl name="bgAcc1">
+    <dgm:scene3d>
+      <a:camera prst="orthographicFront"/>
+      <a:lightRig rig="threePt" dir="t"/>
+    </dgm:scene3d>
+    <dgm:sp3d/>
+    <dgm:txPr/>
+    <dgm:style>
+      <a:lnRef idx="2">
+        <a:scrgbClr r="0" g="0" b="0"/>
+      </a:lnRef>
+      <a:fillRef idx="1">
+        <a:scrgbClr r="0" g="0" b="0"/>
+      </a:fillRef>
+      <a:effectRef idx="0">
+        <a:scrgbClr r="0" g="0" b="0"/>
+      </a:effectRef>
+      <a:fontRef idx="minor"/>
+    </dgm:style>
+  </dgm:styleLbl>
+  <dgm:styleLbl name="solidFgAcc1">
+    <dgm:scene3d>
+      <a:camera prst="orthographicFront"/>
+      <a:lightRig rig="threePt" dir="t"/>
+    </dgm:scene3d>
+    <dgm:sp3d/>
+    <dgm:txPr/>
+    <dgm:style>
+      <a:lnRef idx="2">
+        <a:scrgbClr r="0" g="0" b="0"/>
+      </a:lnRef>
+      <a:fillRef idx="1">
+        <a:scrgbClr r="0" g="0" b="0"/>
+      </a:fillRef>
+      <a:effectRef idx="0">
+        <a:scrgbClr r="0" g="0" b="0"/>
+      </a:effectRef>
+      <a:fontRef idx="minor"/>
+    </dgm:style>
+  </dgm:styleLbl>
+  <dgm:styleLbl name="solidAlignAcc1">
+    <dgm:scene3d>
+      <a:camera prst="orthographicFront"/>
+      <a:lightRig rig="threePt" dir="t"/>
+    </dgm:scene3d>
+    <dgm:sp3d/>
+    <dgm:txPr/>
+    <dgm:style>
+      <a:lnRef idx="2">
+        <a:scrgbClr r="0" g="0" b="0"/>
+      </a:lnRef>
+      <a:fillRef idx="1">
+        <a:scrgbClr r="0" g="0" b="0"/>
+      </a:fillRef>
+      <a:effectRef idx="0">
+        <a:scrgbClr r="0" g="0" b="0"/>
+      </a:effectRef>
+      <a:fontRef idx="minor"/>
+    </dgm:style>
+  </dgm:styleLbl>
+  <dgm:styleLbl name="solidBgAcc1">
+    <dgm:scene3d>
+      <a:camera prst="orthographicFront"/>
+      <a:lightRig rig="threePt" dir="t"/>
+    </dgm:scene3d>
+    <dgm:sp3d/>
+    <dgm:txPr/>
+    <dgm:style>
+      <a:lnRef idx="2">
+        <a:scrgbClr r="0" g="0" b="0"/>
+      </a:lnRef>
+      <a:fillRef idx="1">
+        <a:scrgbClr r="0" g="0" b="0"/>
+      </a:fillRef>
+      <a:effectRef idx="0">
+        <a:scrgbClr r="0" g="0" b="0"/>
+      </a:effectRef>
+      <a:fontRef idx="minor"/>
+    </dgm:style>
+  </dgm:styleLbl>
+  <dgm:styleLbl name="fgAccFollowNode1">
+    <dgm:scene3d>
+      <a:camera prst="orthographicFront"/>
+      <a:lightRig rig="threePt" dir="t"/>
+    </dgm:scene3d>
+    <dgm:sp3d/>
+    <dgm:txPr/>
+    <dgm:style>
+      <a:lnRef idx="2">
+        <a:scrgbClr r="0" g="0" b="0"/>
+      </a:lnRef>
+      <a:fillRef idx="1">
+        <a:scrgbClr r="0" g="0" b="0"/>
+      </a:fillRef>
+      <a:effectRef idx="0">
+        <a:scrgbClr r="0" g="0" b="0"/>
+      </a:effectRef>
+      <a:fontRef idx="minor"/>
+    </dgm:style>
+  </dgm:styleLbl>
+  <dgm:styleLbl name="alignAccFollowNode1">
+    <dgm:scene3d>
+      <a:camera prst="orthographicFront"/>
+      <a:lightRig rig="threePt" dir="t"/>
+    </dgm:scene3d>
+    <dgm:sp3d/>
+    <dgm:txPr/>
+    <dgm:style>
+      <a:lnRef idx="2">
+        <a:scrgbClr r="0" g="0" b="0"/>
+      </a:lnRef>
+      <a:fillRef idx="1">
+        <a:scrgbClr r="0" g="0" b="0"/>
+      </a:fillRef>
+      <a:effectRef idx="0">
+        <a:scrgbClr r="0" g="0" b="0"/>
+      </a:effectRef>
+      <a:fontRef idx="minor"/>
+    </dgm:style>
+  </dgm:styleLbl>
+  <dgm:styleLbl name="bgAccFollowNode1">
+    <dgm:scene3d>
+      <a:camera prst="orthographicFront"/>
+      <a:lightRig rig="threePt" dir="t"/>
+    </dgm:scene3d>
+    <dgm:sp3d/>
+    <dgm:txPr/>
+    <dgm:style>
+      <a:lnRef idx="2">
+        <a:scrgbClr r="0" g="0" b="0"/>
+      </a:lnRef>
+      <a:fillRef idx="1">
+        <a:scrgbClr r="0" g="0" b="0"/>
+      </a:fillRef>
+      <a:effectRef idx="0">
+        <a:scrgbClr r="0" g="0" b="0"/>
+      </a:effectRef>
+      <a:fontRef idx="minor"/>
+    </dgm:style>
+  </dgm:styleLbl>
+  <dgm:styleLbl name="fgAcc0">
+    <dgm:scene3d>
+      <a:camera prst="orthographicFront"/>
+      <a:lightRig rig="threePt" dir="t"/>
+    </dgm:scene3d>
+    <dgm:sp3d/>
+    <dgm:txPr/>
+    <dgm:style>
+      <a:lnRef idx="2">
+        <a:scrgbClr r="0" g="0" b="0"/>
+      </a:lnRef>
+      <a:fillRef idx="1">
+        <a:scrgbClr r="0" g="0" b="0"/>
+      </a:fillRef>
+      <a:effectRef idx="0">
+        <a:scrgbClr r="0" g="0" b="0"/>
+      </a:effectRef>
+      <a:fontRef idx="minor"/>
+    </dgm:style>
+  </dgm:styleLbl>
+  <dgm:styleLbl name="fgAcc2">
+    <dgm:scene3d>
+      <a:camera prst="orthographicFront"/>
+      <a:lightRig rig="threePt" dir="t"/>
+    </dgm:scene3d>
+    <dgm:sp3d/>
+    <dgm:txPr/>
+    <dgm:style>
+      <a:lnRef idx="2">
+        <a:scrgbClr r="0" g="0" b="0"/>
+      </a:lnRef>
+      <a:fillRef idx="1">
+        <a:scrgbClr r="0" g="0" b="0"/>
+      </a:fillRef>
+      <a:effectRef idx="0">
+        <a:scrgbClr r="0" g="0" b="0"/>
+      </a:effectRef>
+      <a:fontRef idx="minor"/>
+    </dgm:style>
+  </dgm:styleLbl>
+  <dgm:styleLbl name="fgAcc3">
+    <dgm:scene3d>
+      <a:camera prst="orthographicFront"/>
+      <a:lightRig rig="threePt" dir="t"/>
+    </dgm:scene3d>
+    <dgm:sp3d/>
+    <dgm:txPr/>
+    <dgm:style>
+      <a:lnRef idx="2">
+        <a:scrgbClr r="0" g="0" b="0"/>
+      </a:lnRef>
+      <a:fillRef idx="1">
+        <a:scrgbClr r="0" g="0" b="0"/>
+      </a:fillRef>
+      <a:effectRef idx="0">
+        <a:scrgbClr r="0" g="0" b="0"/>
+      </a:effectRef>
+      <a:fontRef idx="minor"/>
+    </dgm:style>
+  </dgm:styleLbl>
+  <dgm:styleLbl name="fgAcc4">
+    <dgm:scene3d>
+      <a:camera prst="orthographicFront"/>
+      <a:lightRig rig="threePt" dir="t"/>
+    </dgm:scene3d>
+    <dgm:sp3d/>
+    <dgm:txPr/>
+    <dgm:style>
+      <a:lnRef idx="2">
+        <a:scrgbClr r="0" g="0" b="0"/>
+      </a:lnRef>
+      <a:fillRef idx="1">
+        <a:scrgbClr r="0" g="0" b="0"/>
+      </a:fillRef>
+      <a:effectRef idx="0">
+        <a:scrgbClr r="0" g="0" b="0"/>
+      </a:effectRef>
+      <a:fontRef idx="minor"/>
+    </dgm:style>
+  </dgm:styleLbl>
+  <dgm:styleLbl name="bgShp">
+    <dgm:scene3d>
+      <a:camera prst="orthographicFront"/>
+      <a:lightRig rig="threePt" dir="t"/>
+    </dgm:scene3d>
+    <dgm:sp3d/>
+    <dgm:txPr/>
+    <dgm:style>
+      <a:lnRef idx="0">
+        <a:scrgbClr r="0" g="0" b="0"/>
+      </a:lnRef>
+      <a:fillRef idx="1">
+        <a:scrgbClr r="0" g="0" b="0"/>
+      </a:fillRef>
+      <a:effectRef idx="0">
+        <a:scrgbClr r="0" g="0" b="0"/>
+      </a:effectRef>
+      <a:fontRef idx="minor"/>
+    </dgm:style>
+  </dgm:styleLbl>
+  <dgm:styleLbl name="dkBgShp">
+    <dgm:scene3d>
+      <a:camera prst="orthographicFront"/>
+      <a:lightRig rig="threePt" dir="t"/>
+    </dgm:scene3d>
+    <dgm:sp3d/>
+    <dgm:txPr/>
+    <dgm:style>
+      <a:lnRef idx="0">
+        <a:scrgbClr r="0" g="0" b="0"/>
+      </a:lnRef>
+      <a:fillRef idx="1">
+        <a:scrgbClr r="0" g="0" b="0"/>
+      </a:fillRef>
+      <a:effectRef idx="0">
+        <a:scrgbClr r="0" g="0" b="0"/>
+      </a:effectRef>
+      <a:fontRef idx="minor"/>
+    </dgm:style>
+  </dgm:styleLbl>
+  <dgm:styleLbl name="trBgShp">
+    <dgm:scene3d>
+      <a:camera prst="orthographicFront"/>
+      <a:lightRig rig="threePt" dir="t"/>
+    </dgm:scene3d>
+    <dgm:sp3d/>
+    <dgm:txPr/>
+    <dgm:style>
+      <a:lnRef idx="0">
+        <a:scrgbClr r="0" g="0" b="0"/>
+      </a:lnRef>
+      <a:fillRef idx="1">
+        <a:scrgbClr r="0" g="0" b="0"/>
+      </a:fillRef>
+      <a:effectRef idx="0">
+        <a:scrgbClr r="0" g="0" b="0"/>
+      </a:effectRef>
+      <a:fontRef idx="minor"/>
+    </dgm:style>
+  </dgm:styleLbl>
+  <dgm:styleLbl name="fgShp">
+    <dgm:scene3d>
+      <a:camera prst="orthographicFront"/>
+      <a:lightRig rig="threePt" dir="t"/>
+    </dgm:scene3d>
+    <dgm:sp3d/>
+    <dgm:txPr/>
+    <dgm:style>
+      <a:lnRef idx="2">
+        <a:scrgbClr r="0" g="0" b="0"/>
+      </a:lnRef>
+      <a:fillRef idx="1">
+        <a:scrgbClr r="0" g="0" b="0"/>
+      </a:fillRef>
+      <a:effectRef idx="0">
+        <a:scrgbClr r="0" g="0" b="0"/>
+      </a:effectRef>
+      <a:fontRef idx="minor"/>
+    </dgm:style>
+  </dgm:styleLbl>
+  <dgm:styleLbl name="revTx">
+    <dgm:scene3d>
+      <a:camera prst="orthographicFront"/>
+      <a:lightRig rig="threePt" dir="t"/>
+    </dgm:scene3d>
+    <dgm:sp3d/>
+    <dgm:txPr/>
+    <dgm:style>
+      <a:lnRef idx="0">
+        <a:scrgbClr r="0" g="0" b="0"/>
+      </a:lnRef>
+      <a:fillRef idx="0">
+        <a:scrgbClr r="0" g="0" b="0"/>
+      </a:fillRef>
+      <a:effectRef idx="0">
+        <a:scrgbClr r="0" g="0" b="0"/>
+      </a:effectRef>
+      <a:fontRef idx="minor"/>
+    </dgm:style>
+  </dgm:styleLbl>
+</dgm:styleDef>
+</file>
+
+<file path=ppt/diagrams/quickStyle3.xml><?xml version="1.0" encoding="utf-8"?>
 <dgm:styleDef xmlns:dgm="http://schemas.openxmlformats.org/drawingml/2006/diagram" xmlns:a="http://schemas.openxmlformats.org/drawingml/2006/main" uniqueId="urn:microsoft.com/office/officeart/2005/8/quickstyle/simple1">
   <dgm:title val=""/>
   <dgm:desc val=""/>
@@ -15136,6 +17366,34 @@
           </a:graphicData>
         </a:graphic>
       </p:graphicFrame>
+      <p:graphicFrame>
+        <p:nvGraphicFramePr>
+          <p:cNvPr id="4" name="Diagram 3">
+            <a:extLst>
+              <a:ext uri="{FF2B5EF4-FFF2-40B4-BE49-F238E27FC236}">
+                <a16:creationId xmlns:a16="http://schemas.microsoft.com/office/drawing/2014/main" id="{7A0A7154-ABA6-86F8-8673-875A6C043520}"/>
+              </a:ext>
+            </a:extLst>
+          </p:cNvPr>
+          <p:cNvGraphicFramePr/>
+          <p:nvPr>
+            <p:extLst>
+              <p:ext uri="{D42A27DB-BD31-4B8C-83A1-F6EECF244321}">
+                <p14:modId xmlns:p14="http://schemas.microsoft.com/office/powerpoint/2010/main" val="1191079348"/>
+              </p:ext>
+            </p:extLst>
+          </p:nvPr>
+        </p:nvGraphicFramePr>
+        <p:xfrm>
+          <a:off x="7183040" y="2628087"/>
+          <a:ext cx="1850231" cy="523220"/>
+        </p:xfrm>
+        <a:graphic>
+          <a:graphicData uri="http://schemas.openxmlformats.org/drawingml/2006/diagram">
+            <dgm:relIds xmlns:dgm="http://schemas.openxmlformats.org/drawingml/2006/diagram" xmlns:r="http://schemas.openxmlformats.org/officeDocument/2006/relationships" r:dm="rId7" r:lo="rId8" r:qs="rId9" r:cs="rId10"/>
+          </a:graphicData>
+        </a:graphic>
+      </p:graphicFrame>
     </p:spTree>
   </p:cSld>
   <p:clrMapOvr>
@@ -16431,7 +18689,7 @@
                 <a:latin typeface="Roboto Condensed Light"/>
                 <a:ea typeface="Roboto Condensed Light"/>
               </a:rPr>
-              <a:t>Tokenization of source code</a:t>
+              <a:t>Tokenization of source code (Lexical Analysis)</a:t>
             </a:r>
           </a:p>
           <a:p>

--- a/SPL-1_Mid Presentation.pptx
+++ b/SPL-1_Mid Presentation.pptx
@@ -23029,7 +23029,7 @@
         </p:nvSpPr>
         <p:spPr>
           <a:xfrm>
-            <a:off x="600075" y="2900160"/>
+            <a:off x="238647" y="2899980"/>
             <a:ext cx="884565" cy="583321"/>
           </a:xfrm>
           <a:prstGeom prst="rect">
@@ -23111,8 +23111,8 @@
         </p:nvSpPr>
         <p:spPr>
           <a:xfrm>
-            <a:off x="2287080" y="2974161"/>
-            <a:ext cx="1710000" cy="367878"/>
+            <a:off x="3380146" y="3047640"/>
+            <a:ext cx="1168155" cy="306323"/>
           </a:xfrm>
           <a:prstGeom prst="rect">
             <a:avLst/>
@@ -23137,7 +23137,7 @@
           <a:fontRef idx="minor"/>
         </p:style>
         <p:txBody>
-          <a:bodyPr lIns="90000" tIns="45000" rIns="90000" bIns="45000" anchor="t">
+          <a:bodyPr wrap="square" lIns="90000" tIns="45000" rIns="90000" bIns="45000" anchor="t">
             <a:spAutoFit/>
           </a:bodyPr>
           <a:lstStyle/>
@@ -23149,10 +23149,10 @@
               <a:buNone/>
             </a:pPr>
             <a:r>
-              <a:rPr lang="en-US" b="0" strike="noStrike" spc="-1">
+              <a:rPr lang="en-US" sz="1400" b="0" strike="noStrike" spc="-1">
                 <a:latin typeface="Arial"/>
               </a:rPr>
-              <a:t>  Tokenization</a:t>
+              <a:t>Tokenization</a:t>
             </a:r>
           </a:p>
         </p:txBody>
@@ -23165,8 +23165,8 @@
         </p:nvSpPr>
         <p:spPr>
           <a:xfrm>
-            <a:off x="1569960" y="3017520"/>
-            <a:ext cx="632520" cy="288000"/>
+            <a:off x="1123212" y="3065963"/>
+            <a:ext cx="485626" cy="288000"/>
           </a:xfrm>
           <a:prstGeom prst="rightArrow">
             <a:avLst>
@@ -23212,8 +23212,8 @@
         </p:nvSpPr>
         <p:spPr>
           <a:xfrm>
-            <a:off x="4082400" y="3017520"/>
-            <a:ext cx="632520" cy="288000"/>
+            <a:off x="4559381" y="3039969"/>
+            <a:ext cx="534272" cy="288000"/>
           </a:xfrm>
           <a:prstGeom prst="rightArrow">
             <a:avLst>
@@ -23259,8 +23259,8 @@
         </p:nvSpPr>
         <p:spPr>
           <a:xfrm>
-            <a:off x="4750594" y="2977200"/>
-            <a:ext cx="1388846" cy="337100"/>
+            <a:off x="5104733" y="3013234"/>
+            <a:ext cx="1235869" cy="306323"/>
           </a:xfrm>
           <a:prstGeom prst="rect">
             <a:avLst/>
@@ -23297,7 +23297,7 @@
               <a:buNone/>
             </a:pPr>
             <a:r>
-              <a:rPr lang="en-US" sz="1600" spc="-1">
+              <a:rPr lang="en-US" sz="1400" spc="-1">
                 <a:solidFill>
                   <a:srgbClr val="000000"/>
                 </a:solidFill>
@@ -23307,7 +23307,7 @@
               <a:t>Read Tokens</a:t>
             </a:r>
             <a:r>
-              <a:rPr lang="en-US" sz="1600" b="0" strike="noStrike" spc="-1">
+              <a:rPr lang="en-US" sz="1400" b="0" strike="noStrike" spc="-1">
                 <a:solidFill>
                   <a:srgbClr val="000000"/>
                 </a:solidFill>
@@ -23316,7 +23316,7 @@
               </a:rPr>
               <a:t> </a:t>
             </a:r>
-            <a:endParaRPr lang="en-US" sz="1600" b="0" strike="noStrike" spc="-1">
+            <a:endParaRPr lang="en-US" sz="1400" b="0" strike="noStrike" spc="-1">
               <a:latin typeface="Arial"/>
             </a:endParaRPr>
           </a:p>
@@ -23330,8 +23330,8 @@
         </p:nvSpPr>
         <p:spPr>
           <a:xfrm>
-            <a:off x="6224760" y="3001750"/>
-            <a:ext cx="632520" cy="288000"/>
+            <a:off x="6360480" y="3001750"/>
+            <a:ext cx="496800" cy="288000"/>
           </a:xfrm>
           <a:prstGeom prst="rightArrow">
             <a:avLst>
@@ -23430,6 +23430,126 @@
               <a:latin typeface="Arial"/>
               <a:ea typeface="Arial"/>
             </a:endParaRPr>
+          </a:p>
+        </p:txBody>
+      </p:sp>
+      <p:sp>
+        <p:nvSpPr>
+          <p:cNvPr id="2" name="TextBox 6">
+            <a:extLst>
+              <a:ext uri="{FF2B5EF4-FFF2-40B4-BE49-F238E27FC236}">
+                <a16:creationId xmlns:a16="http://schemas.microsoft.com/office/drawing/2014/main" id="{D94FC917-EC1C-BAD4-BF31-5929AA59DA16}"/>
+              </a:ext>
+            </a:extLst>
+          </p:cNvPr>
+          <p:cNvSpPr/>
+          <p:nvPr/>
+        </p:nvSpPr>
+        <p:spPr>
+          <a:xfrm>
+            <a:off x="1608838" y="3047640"/>
+            <a:ext cx="1326128" cy="306323"/>
+          </a:xfrm>
+          <a:prstGeom prst="rect">
+            <a:avLst/>
+          </a:prstGeom>
+          <a:noFill/>
+          <a:ln w="0">
+            <a:solidFill>
+              <a:srgbClr val="263248"/>
+            </a:solidFill>
+          </a:ln>
+        </p:spPr>
+        <p:style>
+          <a:lnRef idx="0">
+            <a:scrgbClr r="0" g="0" b="0"/>
+          </a:lnRef>
+          <a:fillRef idx="0">
+            <a:scrgbClr r="0" g="0" b="0"/>
+          </a:fillRef>
+          <a:effectRef idx="0">
+            <a:scrgbClr r="0" g="0" b="0"/>
+          </a:effectRef>
+          <a:fontRef idx="minor"/>
+        </p:style>
+        <p:txBody>
+          <a:bodyPr wrap="square" lIns="90000" tIns="45000" rIns="90000" bIns="45000" anchor="t">
+            <a:spAutoFit/>
+          </a:bodyPr>
+          <a:lstStyle/>
+          <a:p>
+            <a:pPr>
+              <a:lnSpc>
+                <a:spcPct val="100000"/>
+              </a:lnSpc>
+              <a:buNone/>
+            </a:pPr>
+            <a:r>
+              <a:rPr lang="en-US" sz="1400" b="0" strike="noStrike" spc="-1">
+                <a:solidFill>
+                  <a:srgbClr val="000000"/>
+                </a:solidFill>
+                <a:latin typeface="Arial"/>
+                <a:ea typeface="Arial"/>
+              </a:rPr>
+              <a:t>Preprocessing</a:t>
+            </a:r>
+            <a:endParaRPr lang="en-US" sz="1400" b="0" strike="noStrike" spc="-1">
+              <a:latin typeface="Arial"/>
+            </a:endParaRPr>
+          </a:p>
+        </p:txBody>
+      </p:sp>
+      <p:sp>
+        <p:nvSpPr>
+          <p:cNvPr id="3" name="Google Shape;129;p8">
+            <a:extLst>
+              <a:ext uri="{FF2B5EF4-FFF2-40B4-BE49-F238E27FC236}">
+                <a16:creationId xmlns:a16="http://schemas.microsoft.com/office/drawing/2014/main" id="{22A9E8B7-17A5-7182-A4D1-E1A99BCA3C49}"/>
+              </a:ext>
+            </a:extLst>
+          </p:cNvPr>
+          <p:cNvSpPr/>
+          <p:nvPr/>
+        </p:nvSpPr>
+        <p:spPr>
+          <a:xfrm>
+            <a:off x="2954844" y="3065963"/>
+            <a:ext cx="434468" cy="288000"/>
+          </a:xfrm>
+          <a:prstGeom prst="rightArrow">
+            <a:avLst>
+              <a:gd name="adj1" fmla="val 50000"/>
+              <a:gd name="adj2" fmla="val 50000"/>
+            </a:avLst>
+          </a:prstGeom>
+          <a:solidFill>
+            <a:schemeClr val="accent1"/>
+          </a:solidFill>
+          <a:ln w="12700">
+            <a:solidFill>
+              <a:srgbClr val="31538F"/>
+            </a:solidFill>
+            <a:miter/>
+          </a:ln>
+        </p:spPr>
+        <p:style>
+          <a:lnRef idx="0">
+            <a:scrgbClr r="0" g="0" b="0"/>
+          </a:lnRef>
+          <a:fillRef idx="0">
+            <a:scrgbClr r="0" g="0" b="0"/>
+          </a:fillRef>
+          <a:effectRef idx="0">
+            <a:scrgbClr r="0" g="0" b="0"/>
+          </a:effectRef>
+          <a:fontRef idx="minor"/>
+        </p:style>
+        <p:txBody>
+          <a:bodyPr/>
+          <a:lstStyle/>
+          <a:p>
+            <a:endParaRPr lang="en-US"/>
           </a:p>
         </p:txBody>
       </p:sp>

--- a/SPL-1_Mid Presentation.pptx
+++ b/SPL-1_Mid Presentation.pptx
@@ -18039,7 +18039,7 @@
                 <a:latin typeface="Roboto Condensed Light"/>
                 <a:ea typeface="Roboto Condensed Light"/>
               </a:rPr>
-              <a:t>Reading Comments</a:t>
+              <a:t>Reading Arrays,String,Pointers</a:t>
             </a:r>
             <a:endParaRPr lang="en-US" sz="2000" b="0" strike="noStrike" spc="-1">
               <a:solidFill>
